--- a/Maquette.pptx
+++ b/Maquette.pptx
@@ -7,15 +7,16 @@
   <p:sldIdLst>
     <p:sldId id="259" r:id="rId2"/>
     <p:sldId id="261" r:id="rId3"/>
-    <p:sldId id="262" r:id="rId4"/>
-    <p:sldId id="264" r:id="rId5"/>
-    <p:sldId id="265" r:id="rId6"/>
-    <p:sldId id="266" r:id="rId7"/>
-    <p:sldId id="267" r:id="rId8"/>
-    <p:sldId id="268" r:id="rId9"/>
-    <p:sldId id="269" r:id="rId10"/>
-    <p:sldId id="270" r:id="rId11"/>
-    <p:sldId id="260" r:id="rId12"/>
+    <p:sldId id="271" r:id="rId4"/>
+    <p:sldId id="262" r:id="rId5"/>
+    <p:sldId id="264" r:id="rId6"/>
+    <p:sldId id="265" r:id="rId7"/>
+    <p:sldId id="266" r:id="rId8"/>
+    <p:sldId id="267" r:id="rId9"/>
+    <p:sldId id="268" r:id="rId10"/>
+    <p:sldId id="269" r:id="rId11"/>
+    <p:sldId id="270" r:id="rId12"/>
+    <p:sldId id="260" r:id="rId13"/>
   </p:sldIdLst>
   <p:sldSz cx="6858000" cy="12192000"/>
   <p:notesSz cx="6858000" cy="9144000"/>
@@ -264,7 +265,7 @@
           <a:p>
             <a:fld id="{CB736F54-A04C-483A-B2E4-8668B86DC1A5}" type="datetimeFigureOut">
               <a:rPr lang="fr-FR" smtClean="0"/>
-              <a:t>15/10/2022</a:t>
+              <a:t>24/10/2022</a:t>
             </a:fld>
             <a:endParaRPr lang="fr-FR"/>
           </a:p>
@@ -434,7 +435,7 @@
           <a:p>
             <a:fld id="{CB736F54-A04C-483A-B2E4-8668B86DC1A5}" type="datetimeFigureOut">
               <a:rPr lang="fr-FR" smtClean="0"/>
-              <a:t>15/10/2022</a:t>
+              <a:t>24/10/2022</a:t>
             </a:fld>
             <a:endParaRPr lang="fr-FR"/>
           </a:p>
@@ -614,7 +615,7 @@
           <a:p>
             <a:fld id="{CB736F54-A04C-483A-B2E4-8668B86DC1A5}" type="datetimeFigureOut">
               <a:rPr lang="fr-FR" smtClean="0"/>
-              <a:t>15/10/2022</a:t>
+              <a:t>24/10/2022</a:t>
             </a:fld>
             <a:endParaRPr lang="fr-FR"/>
           </a:p>
@@ -784,7 +785,7 @@
           <a:p>
             <a:fld id="{CB736F54-A04C-483A-B2E4-8668B86DC1A5}" type="datetimeFigureOut">
               <a:rPr lang="fr-FR" smtClean="0"/>
-              <a:t>15/10/2022</a:t>
+              <a:t>24/10/2022</a:t>
             </a:fld>
             <a:endParaRPr lang="fr-FR"/>
           </a:p>
@@ -1028,7 +1029,7 @@
           <a:p>
             <a:fld id="{CB736F54-A04C-483A-B2E4-8668B86DC1A5}" type="datetimeFigureOut">
               <a:rPr lang="fr-FR" smtClean="0"/>
-              <a:t>15/10/2022</a:t>
+              <a:t>24/10/2022</a:t>
             </a:fld>
             <a:endParaRPr lang="fr-FR"/>
           </a:p>
@@ -1260,7 +1261,7 @@
           <a:p>
             <a:fld id="{CB736F54-A04C-483A-B2E4-8668B86DC1A5}" type="datetimeFigureOut">
               <a:rPr lang="fr-FR" smtClean="0"/>
-              <a:t>15/10/2022</a:t>
+              <a:t>24/10/2022</a:t>
             </a:fld>
             <a:endParaRPr lang="fr-FR"/>
           </a:p>
@@ -1627,7 +1628,7 @@
           <a:p>
             <a:fld id="{CB736F54-A04C-483A-B2E4-8668B86DC1A5}" type="datetimeFigureOut">
               <a:rPr lang="fr-FR" smtClean="0"/>
-              <a:t>15/10/2022</a:t>
+              <a:t>24/10/2022</a:t>
             </a:fld>
             <a:endParaRPr lang="fr-FR"/>
           </a:p>
@@ -1745,7 +1746,7 @@
           <a:p>
             <a:fld id="{CB736F54-A04C-483A-B2E4-8668B86DC1A5}" type="datetimeFigureOut">
               <a:rPr lang="fr-FR" smtClean="0"/>
-              <a:t>15/10/2022</a:t>
+              <a:t>24/10/2022</a:t>
             </a:fld>
             <a:endParaRPr lang="fr-FR"/>
           </a:p>
@@ -1840,7 +1841,7 @@
           <a:p>
             <a:fld id="{CB736F54-A04C-483A-B2E4-8668B86DC1A5}" type="datetimeFigureOut">
               <a:rPr lang="fr-FR" smtClean="0"/>
-              <a:t>15/10/2022</a:t>
+              <a:t>24/10/2022</a:t>
             </a:fld>
             <a:endParaRPr lang="fr-FR"/>
           </a:p>
@@ -2117,7 +2118,7 @@
           <a:p>
             <a:fld id="{CB736F54-A04C-483A-B2E4-8668B86DC1A5}" type="datetimeFigureOut">
               <a:rPr lang="fr-FR" smtClean="0"/>
-              <a:t>15/10/2022</a:t>
+              <a:t>24/10/2022</a:t>
             </a:fld>
             <a:endParaRPr lang="fr-FR"/>
           </a:p>
@@ -2374,7 +2375,7 @@
           <a:p>
             <a:fld id="{CB736F54-A04C-483A-B2E4-8668B86DC1A5}" type="datetimeFigureOut">
               <a:rPr lang="fr-FR" smtClean="0"/>
-              <a:t>15/10/2022</a:t>
+              <a:t>24/10/2022</a:t>
             </a:fld>
             <a:endParaRPr lang="fr-FR"/>
           </a:p>
@@ -2587,7 +2588,7 @@
           <a:p>
             <a:fld id="{CB736F54-A04C-483A-B2E4-8668B86DC1A5}" type="datetimeFigureOut">
               <a:rPr lang="fr-FR" smtClean="0"/>
-              <a:t>15/10/2022</a:t>
+              <a:t>24/10/2022</a:t>
             </a:fld>
             <a:endParaRPr lang="fr-FR"/>
           </a:p>
@@ -4942,6 +4943,777 @@
           </a:stretch>
         </p:blipFill>
         <p:spPr>
+          <a:xfrm rot="16200000">
+            <a:off x="628301" y="1603882"/>
+            <a:ext cx="720000" cy="720000"/>
+          </a:xfrm>
+          <a:prstGeom prst="rect">
+            <a:avLst/>
+          </a:prstGeom>
+        </p:spPr>
+      </p:pic>
+      <p:sp>
+        <p:nvSpPr>
+          <p:cNvPr id="18" name="FloatingButton">
+            <a:hlinkClick r:id="" action="ppaction://hlinkshowjump?jump=nextslide"/>
+            <a:extLst>
+              <a:ext uri="{FF2B5EF4-FFF2-40B4-BE49-F238E27FC236}">
+                <a16:creationId xmlns:a16="http://schemas.microsoft.com/office/drawing/2014/main" id="{7B7EE710-270E-FD2D-1A9D-5693869E63EB}"/>
+              </a:ext>
+            </a:extLst>
+          </p:cNvPr>
+          <p:cNvSpPr/>
+          <p:nvPr/>
+        </p:nvSpPr>
+        <p:spPr>
+          <a:xfrm>
+            <a:off x="3533958" y="10896483"/>
+            <a:ext cx="2520000" cy="759690"/>
+          </a:xfrm>
+          <a:prstGeom prst="roundRect">
+            <a:avLst>
+              <a:gd name="adj" fmla="val 50000"/>
+            </a:avLst>
+          </a:prstGeom>
+          <a:solidFill>
+            <a:schemeClr val="accent5">
+              <a:lumMod val="75000"/>
+            </a:schemeClr>
+          </a:solidFill>
+          <a:ln>
+            <a:noFill/>
+          </a:ln>
+          <a:effectLst>
+            <a:outerShdw blurRad="101600" dist="76200" dir="5400000" algn="t" rotWithShape="0">
+              <a:prstClr val="black">
+                <a:alpha val="40000"/>
+              </a:prstClr>
+            </a:outerShdw>
+          </a:effectLst>
+        </p:spPr>
+        <p:style>
+          <a:lnRef idx="2">
+            <a:schemeClr val="accent1">
+              <a:shade val="50000"/>
+            </a:schemeClr>
+          </a:lnRef>
+          <a:fillRef idx="1">
+            <a:schemeClr val="accent1"/>
+          </a:fillRef>
+          <a:effectRef idx="0">
+            <a:schemeClr val="accent1"/>
+          </a:effectRef>
+          <a:fontRef idx="minor">
+            <a:schemeClr val="lt1"/>
+          </a:fontRef>
+        </p:style>
+        <p:txBody>
+          <a:bodyPr rtlCol="0" anchor="ctr"/>
+          <a:lstStyle/>
+          <a:p>
+            <a:pPr algn="ctr"/>
+            <a:r>
+              <a:rPr lang="fr-FR" sz="2800" dirty="0"/>
+              <a:t>&gt;</a:t>
+            </a:r>
+          </a:p>
+        </p:txBody>
+      </p:sp>
+      <p:grpSp>
+        <p:nvGrpSpPr>
+          <p:cNvPr id="26" name="Météo">
+            <a:extLst>
+              <a:ext uri="{FF2B5EF4-FFF2-40B4-BE49-F238E27FC236}">
+                <a16:creationId xmlns:a16="http://schemas.microsoft.com/office/drawing/2014/main" id="{79EBE6EA-A3EC-1DAE-6182-C6BE2D75D2AF}"/>
+              </a:ext>
+            </a:extLst>
+          </p:cNvPr>
+          <p:cNvGrpSpPr/>
+          <p:nvPr/>
+        </p:nvGrpSpPr>
+        <p:grpSpPr>
+          <a:xfrm>
+            <a:off x="1545021" y="1585453"/>
+            <a:ext cx="4651987" cy="648000"/>
+            <a:chOff x="1545021" y="1585453"/>
+            <a:chExt cx="4651987" cy="648000"/>
+          </a:xfrm>
+        </p:grpSpPr>
+        <p:sp>
+          <p:nvSpPr>
+            <p:cNvPr id="19" name="température">
+              <a:extLst>
+                <a:ext uri="{FF2B5EF4-FFF2-40B4-BE49-F238E27FC236}">
+                  <a16:creationId xmlns:a16="http://schemas.microsoft.com/office/drawing/2014/main" id="{BC76DEF3-7BA4-20B6-EB84-E04CC28C4B12}"/>
+                </a:ext>
+              </a:extLst>
+            </p:cNvPr>
+            <p:cNvSpPr txBox="1"/>
+            <p:nvPr/>
+          </p:nvSpPr>
+          <p:spPr>
+            <a:xfrm>
+              <a:off x="1545021" y="1712734"/>
+              <a:ext cx="4067503" cy="461665"/>
+            </a:xfrm>
+            <a:prstGeom prst="rect">
+              <a:avLst/>
+            </a:prstGeom>
+            <a:noFill/>
+          </p:spPr>
+          <p:txBody>
+            <a:bodyPr wrap="square" rtlCol="0">
+              <a:spAutoFit/>
+            </a:bodyPr>
+            <a:lstStyle/>
+            <a:p>
+              <a:pPr algn="r"/>
+              <a:r>
+                <a:rPr lang="fr-FR" sz="2400" dirty="0"/>
+                <a:t>18°C</a:t>
+              </a:r>
+            </a:p>
+          </p:txBody>
+        </p:sp>
+        <p:pic>
+          <p:nvPicPr>
+            <p:cNvPr id="25" name="symbole" descr="Partiellement ensoleillé contour">
+              <a:extLst>
+                <a:ext uri="{FF2B5EF4-FFF2-40B4-BE49-F238E27FC236}">
+                  <a16:creationId xmlns:a16="http://schemas.microsoft.com/office/drawing/2014/main" id="{08CFDEE0-0162-DFC3-D620-FC655179FBD9}"/>
+                </a:ext>
+              </a:extLst>
+            </p:cNvPr>
+            <p:cNvPicPr>
+              <a:picLocks noChangeAspect="1"/>
+            </p:cNvPicPr>
+            <p:nvPr/>
+          </p:nvPicPr>
+          <p:blipFill>
+            <a:blip r:embed="rId9">
+              <a:extLst>
+                <a:ext uri="{28A0092B-C50C-407E-A947-70E740481C1C}">
+                  <a14:useLocalDpi xmlns:a14="http://schemas.microsoft.com/office/drawing/2010/main" val="0"/>
+                </a:ext>
+                <a:ext uri="{96DAC541-7B7A-43D3-8B79-37D633B846F1}">
+                  <asvg:svgBlip xmlns:asvg="http://schemas.microsoft.com/office/drawing/2016/SVG/main" r:embed="rId10"/>
+                </a:ext>
+              </a:extLst>
+            </a:blip>
+            <a:stretch>
+              <a:fillRect/>
+            </a:stretch>
+          </p:blipFill>
+          <p:spPr>
+            <a:xfrm>
+              <a:off x="5549008" y="1585453"/>
+              <a:ext cx="648000" cy="648000"/>
+            </a:xfrm>
+            <a:prstGeom prst="rect">
+              <a:avLst/>
+            </a:prstGeom>
+          </p:spPr>
+        </p:pic>
+      </p:grpSp>
+      <p:sp>
+        <p:nvSpPr>
+          <p:cNvPr id="14" name="Rectangle 13">
+            <a:extLst>
+              <a:ext uri="{FF2B5EF4-FFF2-40B4-BE49-F238E27FC236}">
+                <a16:creationId xmlns:a16="http://schemas.microsoft.com/office/drawing/2014/main" id="{9C2CDB3B-7CAE-F2DE-0B93-30EECE37DE56}"/>
+              </a:ext>
+            </a:extLst>
+          </p:cNvPr>
+          <p:cNvSpPr/>
+          <p:nvPr/>
+        </p:nvSpPr>
+        <p:spPr>
+          <a:xfrm>
+            <a:off x="2237461" y="4889133"/>
+            <a:ext cx="930260" cy="1245476"/>
+          </a:xfrm>
+          <a:prstGeom prst="rect">
+            <a:avLst/>
+          </a:prstGeom>
+          <a:solidFill>
+            <a:schemeClr val="accent1">
+              <a:alpha val="50000"/>
+            </a:schemeClr>
+          </a:solidFill>
+        </p:spPr>
+        <p:style>
+          <a:lnRef idx="2">
+            <a:schemeClr val="accent1">
+              <a:shade val="50000"/>
+            </a:schemeClr>
+          </a:lnRef>
+          <a:fillRef idx="1">
+            <a:schemeClr val="accent1"/>
+          </a:fillRef>
+          <a:effectRef idx="0">
+            <a:schemeClr val="accent1"/>
+          </a:effectRef>
+          <a:fontRef idx="minor">
+            <a:schemeClr val="lt1"/>
+          </a:fontRef>
+        </p:style>
+        <p:txBody>
+          <a:bodyPr rtlCol="0" anchor="ctr"/>
+          <a:lstStyle/>
+          <a:p>
+            <a:pPr algn="ctr"/>
+            <a:r>
+              <a:rPr lang="fr-FR" dirty="0">
+                <a:solidFill>
+                  <a:schemeClr val="tx1"/>
+                </a:solidFill>
+              </a:rPr>
+              <a:t>(porte)</a:t>
+            </a:r>
+          </a:p>
+        </p:txBody>
+      </p:sp>
+    </p:spTree>
+    <p:extLst>
+      <p:ext uri="{BB962C8B-B14F-4D97-AF65-F5344CB8AC3E}">
+        <p14:creationId xmlns:p14="http://schemas.microsoft.com/office/powerpoint/2010/main" val="2841925830"/>
+      </p:ext>
+    </p:extLst>
+  </p:cSld>
+  <p:clrMapOvr>
+    <a:masterClrMapping/>
+  </p:clrMapOvr>
+</p:sld>
+</file>
+
+<file path=ppt/slides/slide11.xml><?xml version="1.0" encoding="utf-8"?>
+<p:sld xmlns:a="http://schemas.openxmlformats.org/drawingml/2006/main" xmlns:r="http://schemas.openxmlformats.org/officeDocument/2006/relationships" xmlns:p="http://schemas.openxmlformats.org/presentationml/2006/main">
+  <p:cSld>
+    <p:spTree>
+      <p:nvGrpSpPr>
+        <p:cNvPr id="1" name=""/>
+        <p:cNvGrpSpPr/>
+        <p:nvPr/>
+      </p:nvGrpSpPr>
+      <p:grpSpPr>
+        <a:xfrm>
+          <a:off x="0" y="0"/>
+          <a:ext cx="0" cy="0"/>
+          <a:chOff x="0" y="0"/>
+          <a:chExt cx="0" cy="0"/>
+        </a:xfrm>
+      </p:grpSpPr>
+      <p:grpSp>
+        <p:nvGrpSpPr>
+          <p:cNvPr id="2" name="AppBar">
+            <a:extLst>
+              <a:ext uri="{FF2B5EF4-FFF2-40B4-BE49-F238E27FC236}">
+                <a16:creationId xmlns:a16="http://schemas.microsoft.com/office/drawing/2014/main" id="{FCCF0B7A-7BFA-A819-FBF5-3557D55CA7E1}"/>
+              </a:ext>
+            </a:extLst>
+          </p:cNvPr>
+          <p:cNvGrpSpPr/>
+          <p:nvPr/>
+        </p:nvGrpSpPr>
+        <p:grpSpPr>
+          <a:xfrm>
+            <a:off x="531101" y="262759"/>
+            <a:ext cx="5795798" cy="1322694"/>
+            <a:chOff x="531101" y="262759"/>
+            <a:chExt cx="5795798" cy="1322694"/>
+          </a:xfrm>
+        </p:grpSpPr>
+        <p:sp>
+          <p:nvSpPr>
+            <p:cNvPr id="3" name="appbar_background">
+              <a:extLst>
+                <a:ext uri="{FF2B5EF4-FFF2-40B4-BE49-F238E27FC236}">
+                  <a16:creationId xmlns:a16="http://schemas.microsoft.com/office/drawing/2014/main" id="{074CA485-6443-7CEC-E259-702809BFDFEA}"/>
+                </a:ext>
+              </a:extLst>
+            </p:cNvPr>
+            <p:cNvSpPr/>
+            <p:nvPr/>
+          </p:nvSpPr>
+          <p:spPr>
+            <a:xfrm>
+              <a:off x="531101" y="262759"/>
+              <a:ext cx="5795798" cy="1322694"/>
+            </a:xfrm>
+            <a:prstGeom prst="round2SameRect">
+              <a:avLst>
+                <a:gd name="adj1" fmla="val 34546"/>
+                <a:gd name="adj2" fmla="val 0"/>
+              </a:avLst>
+            </a:prstGeom>
+            <a:solidFill>
+              <a:schemeClr val="accent5"/>
+            </a:solidFill>
+            <a:ln>
+              <a:noFill/>
+            </a:ln>
+          </p:spPr>
+          <p:style>
+            <a:lnRef idx="2">
+              <a:schemeClr val="accent1">
+                <a:shade val="50000"/>
+              </a:schemeClr>
+            </a:lnRef>
+            <a:fillRef idx="1">
+              <a:schemeClr val="accent1"/>
+            </a:fillRef>
+            <a:effectRef idx="0">
+              <a:schemeClr val="accent1"/>
+            </a:effectRef>
+            <a:fontRef idx="minor">
+              <a:schemeClr val="lt1"/>
+            </a:fontRef>
+          </p:style>
+          <p:txBody>
+            <a:bodyPr rtlCol="0" anchor="ctr"/>
+            <a:lstStyle/>
+            <a:p>
+              <a:pPr algn="ctr"/>
+              <a:endParaRPr lang="fr-FR"/>
+            </a:p>
+          </p:txBody>
+        </p:sp>
+        <p:sp>
+          <p:nvSpPr>
+            <p:cNvPr id="4" name="appbar_title">
+              <a:extLst>
+                <a:ext uri="{FF2B5EF4-FFF2-40B4-BE49-F238E27FC236}">
+                  <a16:creationId xmlns:a16="http://schemas.microsoft.com/office/drawing/2014/main" id="{4ED88C02-0662-AD65-5452-19B127D0A554}"/>
+                </a:ext>
+              </a:extLst>
+            </p:cNvPr>
+            <p:cNvSpPr txBox="1"/>
+            <p:nvPr/>
+          </p:nvSpPr>
+          <p:spPr>
+            <a:xfrm>
+              <a:off x="1348301" y="787127"/>
+              <a:ext cx="4264223" cy="584775"/>
+            </a:xfrm>
+            <a:prstGeom prst="rect">
+              <a:avLst/>
+            </a:prstGeom>
+            <a:noFill/>
+          </p:spPr>
+          <p:txBody>
+            <a:bodyPr wrap="square" rtlCol="0">
+              <a:spAutoFit/>
+            </a:bodyPr>
+            <a:lstStyle/>
+            <a:p>
+              <a:pPr algn="ctr"/>
+              <a:r>
+                <a:rPr lang="fr-FR" sz="3200" dirty="0">
+                  <a:solidFill>
+                    <a:schemeClr val="bg1"/>
+                  </a:solidFill>
+                </a:rPr>
+                <a:t>Couloir (2/2)</a:t>
+              </a:r>
+            </a:p>
+          </p:txBody>
+        </p:sp>
+        <p:pic>
+          <p:nvPicPr>
+            <p:cNvPr id="5" name="appbar_action" descr="Carte avec repère avec un remplissage uni">
+              <a:extLst>
+                <a:ext uri="{FF2B5EF4-FFF2-40B4-BE49-F238E27FC236}">
+                  <a16:creationId xmlns:a16="http://schemas.microsoft.com/office/drawing/2014/main" id="{47242492-84B0-ABC5-F163-B0D1C2173C5F}"/>
+                </a:ext>
+              </a:extLst>
+            </p:cNvPr>
+            <p:cNvPicPr>
+              <a:picLocks noChangeAspect="1"/>
+            </p:cNvPicPr>
+            <p:nvPr/>
+          </p:nvPicPr>
+          <p:blipFill>
+            <a:blip r:embed="rId2">
+              <a:extLst>
+                <a:ext uri="{28A0092B-C50C-407E-A947-70E740481C1C}">
+                  <a14:useLocalDpi xmlns:a14="http://schemas.microsoft.com/office/drawing/2010/main" val="0"/>
+                </a:ext>
+                <a:ext uri="{96DAC541-7B7A-43D3-8B79-37D633B846F1}">
+                  <asvg:svgBlip xmlns:asvg="http://schemas.microsoft.com/office/drawing/2016/SVG/main" r:embed="rId3"/>
+                </a:ext>
+              </a:extLst>
+            </a:blip>
+            <a:srcRect/>
+            <a:stretch/>
+          </p:blipFill>
+          <p:spPr>
+            <a:xfrm>
+              <a:off x="5333958" y="719514"/>
+              <a:ext cx="648000" cy="648000"/>
+            </a:xfrm>
+            <a:prstGeom prst="rect">
+              <a:avLst/>
+            </a:prstGeom>
+          </p:spPr>
+        </p:pic>
+        <p:pic>
+          <p:nvPicPr>
+            <p:cNvPr id="6" name="retour" descr="Point d’insertion vers la gauche avec un remplissage uni">
+              <a:hlinkClick r:id="rId4" action="ppaction://hlinksldjump"/>
+              <a:extLst>
+                <a:ext uri="{FF2B5EF4-FFF2-40B4-BE49-F238E27FC236}">
+                  <a16:creationId xmlns:a16="http://schemas.microsoft.com/office/drawing/2014/main" id="{042DBBC8-7844-D6FB-B37F-C26638708EDD}"/>
+                </a:ext>
+              </a:extLst>
+            </p:cNvPr>
+            <p:cNvPicPr>
+              <a:picLocks noChangeAspect="1"/>
+            </p:cNvPicPr>
+            <p:nvPr/>
+          </p:nvPicPr>
+          <p:blipFill>
+            <a:blip r:embed="rId5">
+              <a:extLst>
+                <a:ext uri="{28A0092B-C50C-407E-A947-70E740481C1C}">
+                  <a14:useLocalDpi xmlns:a14="http://schemas.microsoft.com/office/drawing/2010/main" val="0"/>
+                </a:ext>
+                <a:ext uri="{96DAC541-7B7A-43D3-8B79-37D633B846F1}">
+                  <asvg:svgBlip xmlns:asvg="http://schemas.microsoft.com/office/drawing/2016/SVG/main" r:embed="rId6"/>
+                </a:ext>
+              </a:extLst>
+            </a:blip>
+            <a:stretch>
+              <a:fillRect/>
+            </a:stretch>
+          </p:blipFill>
+          <p:spPr>
+            <a:xfrm>
+              <a:off x="628301" y="719514"/>
+              <a:ext cx="720000" cy="720000"/>
+            </a:xfrm>
+            <a:prstGeom prst="rect">
+              <a:avLst/>
+            </a:prstGeom>
+          </p:spPr>
+        </p:pic>
+      </p:grpSp>
+      <p:sp>
+        <p:nvSpPr>
+          <p:cNvPr id="7" name="tel">
+            <a:extLst>
+              <a:ext uri="{FF2B5EF4-FFF2-40B4-BE49-F238E27FC236}">
+                <a16:creationId xmlns:a16="http://schemas.microsoft.com/office/drawing/2014/main" id="{D2B6D532-34A9-9B73-CEE7-9035C0D06C70}"/>
+              </a:ext>
+            </a:extLst>
+          </p:cNvPr>
+          <p:cNvSpPr/>
+          <p:nvPr/>
+        </p:nvSpPr>
+        <p:spPr>
+          <a:xfrm>
+            <a:off x="531101" y="262759"/>
+            <a:ext cx="5795798" cy="11666483"/>
+          </a:xfrm>
+          <a:prstGeom prst="roundRect">
+            <a:avLst>
+              <a:gd name="adj" fmla="val 6874"/>
+            </a:avLst>
+          </a:prstGeom>
+          <a:noFill/>
+          <a:ln w="203200">
+            <a:solidFill>
+              <a:schemeClr val="tx1"/>
+            </a:solidFill>
+          </a:ln>
+        </p:spPr>
+        <p:style>
+          <a:lnRef idx="2">
+            <a:schemeClr val="accent1">
+              <a:shade val="50000"/>
+            </a:schemeClr>
+          </a:lnRef>
+          <a:fillRef idx="1">
+            <a:schemeClr val="accent1"/>
+          </a:fillRef>
+          <a:effectRef idx="0">
+            <a:schemeClr val="accent1"/>
+          </a:effectRef>
+          <a:fontRef idx="minor">
+            <a:schemeClr val="lt1"/>
+          </a:fontRef>
+        </p:style>
+        <p:txBody>
+          <a:bodyPr rtlCol="0" anchor="ctr"/>
+          <a:lstStyle/>
+          <a:p>
+            <a:pPr algn="ctr"/>
+            <a:endParaRPr lang="fr-FR"/>
+          </a:p>
+        </p:txBody>
+      </p:sp>
+      <p:sp>
+        <p:nvSpPr>
+          <p:cNvPr id="8" name="FloatingButton">
+            <a:hlinkClick r:id="" action="ppaction://hlinkshowjump?jump=previousslide"/>
+            <a:extLst>
+              <a:ext uri="{FF2B5EF4-FFF2-40B4-BE49-F238E27FC236}">
+                <a16:creationId xmlns:a16="http://schemas.microsoft.com/office/drawing/2014/main" id="{C04B433B-E390-339E-8DC9-5077FA3FBBD8}"/>
+              </a:ext>
+            </a:extLst>
+          </p:cNvPr>
+          <p:cNvSpPr/>
+          <p:nvPr/>
+        </p:nvSpPr>
+        <p:spPr>
+          <a:xfrm>
+            <a:off x="804041" y="10877698"/>
+            <a:ext cx="2520000" cy="759690"/>
+          </a:xfrm>
+          <a:prstGeom prst="roundRect">
+            <a:avLst>
+              <a:gd name="adj" fmla="val 50000"/>
+            </a:avLst>
+          </a:prstGeom>
+          <a:solidFill>
+            <a:schemeClr val="accent5">
+              <a:lumMod val="75000"/>
+            </a:schemeClr>
+          </a:solidFill>
+          <a:ln>
+            <a:noFill/>
+          </a:ln>
+          <a:effectLst>
+            <a:outerShdw blurRad="101600" dist="76200" dir="5400000" algn="t" rotWithShape="0">
+              <a:prstClr val="black">
+                <a:alpha val="40000"/>
+              </a:prstClr>
+            </a:outerShdw>
+          </a:effectLst>
+        </p:spPr>
+        <p:style>
+          <a:lnRef idx="2">
+            <a:schemeClr val="accent1">
+              <a:shade val="50000"/>
+            </a:schemeClr>
+          </a:lnRef>
+          <a:fillRef idx="1">
+            <a:schemeClr val="accent1"/>
+          </a:fillRef>
+          <a:effectRef idx="0">
+            <a:schemeClr val="accent1"/>
+          </a:effectRef>
+          <a:fontRef idx="minor">
+            <a:schemeClr val="lt1"/>
+          </a:fontRef>
+        </p:style>
+        <p:txBody>
+          <a:bodyPr rtlCol="0" anchor="ctr"/>
+          <a:lstStyle/>
+          <a:p>
+            <a:pPr algn="ctr"/>
+            <a:r>
+              <a:rPr lang="fr-FR" sz="2800" dirty="0"/>
+              <a:t>&lt;</a:t>
+            </a:r>
+          </a:p>
+        </p:txBody>
+      </p:sp>
+      <p:grpSp>
+        <p:nvGrpSpPr>
+          <p:cNvPr id="9" name="Image">
+            <a:extLst>
+              <a:ext uri="{FF2B5EF4-FFF2-40B4-BE49-F238E27FC236}">
+                <a16:creationId xmlns:a16="http://schemas.microsoft.com/office/drawing/2014/main" id="{C69C9262-16D3-F9B9-65CD-8B550DC39F67}"/>
+              </a:ext>
+            </a:extLst>
+          </p:cNvPr>
+          <p:cNvGrpSpPr/>
+          <p:nvPr/>
+        </p:nvGrpSpPr>
+        <p:grpSpPr>
+          <a:xfrm>
+            <a:off x="660992" y="2286000"/>
+            <a:ext cx="5536016" cy="8119240"/>
+            <a:chOff x="4314824" y="3885146"/>
+            <a:chExt cx="1440000" cy="1440000"/>
+          </a:xfrm>
+        </p:grpSpPr>
+        <p:sp>
+          <p:nvSpPr>
+            <p:cNvPr id="10" name="Rectangle 9">
+              <a:extLst>
+                <a:ext uri="{FF2B5EF4-FFF2-40B4-BE49-F238E27FC236}">
+                  <a16:creationId xmlns:a16="http://schemas.microsoft.com/office/drawing/2014/main" id="{D8394DCF-29E9-C76F-B5BE-29C7D76E9201}"/>
+                </a:ext>
+              </a:extLst>
+            </p:cNvPr>
+            <p:cNvSpPr/>
+            <p:nvPr/>
+          </p:nvSpPr>
+          <p:spPr>
+            <a:xfrm>
+              <a:off x="4314824" y="3885146"/>
+              <a:ext cx="1440000" cy="1429648"/>
+            </a:xfrm>
+            <a:prstGeom prst="rect">
+              <a:avLst/>
+            </a:prstGeom>
+            <a:solidFill>
+              <a:schemeClr val="bg1"/>
+            </a:solidFill>
+            <a:ln>
+              <a:solidFill>
+                <a:schemeClr val="tx1">
+                  <a:lumMod val="50000"/>
+                  <a:lumOff val="50000"/>
+                </a:schemeClr>
+              </a:solidFill>
+            </a:ln>
+          </p:spPr>
+          <p:style>
+            <a:lnRef idx="2">
+              <a:schemeClr val="accent1">
+                <a:shade val="50000"/>
+              </a:schemeClr>
+            </a:lnRef>
+            <a:fillRef idx="1">
+              <a:schemeClr val="accent1"/>
+            </a:fillRef>
+            <a:effectRef idx="0">
+              <a:schemeClr val="accent1"/>
+            </a:effectRef>
+            <a:fontRef idx="minor">
+              <a:schemeClr val="lt1"/>
+            </a:fontRef>
+          </p:style>
+          <p:txBody>
+            <a:bodyPr rtlCol="0" anchor="ctr"/>
+            <a:lstStyle/>
+            <a:p>
+              <a:pPr algn="ctr"/>
+              <a:endParaRPr lang="fr-FR"/>
+            </a:p>
+          </p:txBody>
+        </p:sp>
+        <p:cxnSp>
+          <p:nvCxnSpPr>
+            <p:cNvPr id="11" name="Connecteur droit 10">
+              <a:extLst>
+                <a:ext uri="{FF2B5EF4-FFF2-40B4-BE49-F238E27FC236}">
+                  <a16:creationId xmlns:a16="http://schemas.microsoft.com/office/drawing/2014/main" id="{40A9A0A9-D2C8-4B19-D7FC-0F02D783ABA2}"/>
+                </a:ext>
+              </a:extLst>
+            </p:cNvPr>
+            <p:cNvCxnSpPr/>
+            <p:nvPr/>
+          </p:nvCxnSpPr>
+          <p:spPr>
+            <a:xfrm>
+              <a:off x="4314824" y="3885146"/>
+              <a:ext cx="1440000" cy="1429648"/>
+            </a:xfrm>
+            <a:prstGeom prst="line">
+              <a:avLst/>
+            </a:prstGeom>
+            <a:ln>
+              <a:solidFill>
+                <a:schemeClr val="tx1">
+                  <a:lumMod val="50000"/>
+                  <a:lumOff val="50000"/>
+                </a:schemeClr>
+              </a:solidFill>
+            </a:ln>
+          </p:spPr>
+          <p:style>
+            <a:lnRef idx="1">
+              <a:schemeClr val="accent1"/>
+            </a:lnRef>
+            <a:fillRef idx="0">
+              <a:schemeClr val="accent1"/>
+            </a:fillRef>
+            <a:effectRef idx="0">
+              <a:schemeClr val="accent1"/>
+            </a:effectRef>
+            <a:fontRef idx="minor">
+              <a:schemeClr val="tx1"/>
+            </a:fontRef>
+          </p:style>
+        </p:cxnSp>
+        <p:cxnSp>
+          <p:nvCxnSpPr>
+            <p:cNvPr id="12" name="Connecteur droit 11">
+              <a:extLst>
+                <a:ext uri="{FF2B5EF4-FFF2-40B4-BE49-F238E27FC236}">
+                  <a16:creationId xmlns:a16="http://schemas.microsoft.com/office/drawing/2014/main" id="{2B5B3ABF-9E6B-1AF1-1B81-6EE8CB7BA3AE}"/>
+                </a:ext>
+              </a:extLst>
+            </p:cNvPr>
+            <p:cNvCxnSpPr/>
+            <p:nvPr/>
+          </p:nvCxnSpPr>
+          <p:spPr>
+            <a:xfrm flipH="1">
+              <a:off x="4314824" y="3885146"/>
+              <a:ext cx="1440000" cy="1440000"/>
+            </a:xfrm>
+            <a:prstGeom prst="line">
+              <a:avLst/>
+            </a:prstGeom>
+            <a:ln>
+              <a:solidFill>
+                <a:schemeClr val="tx1">
+                  <a:lumMod val="50000"/>
+                  <a:lumOff val="50000"/>
+                </a:schemeClr>
+              </a:solidFill>
+            </a:ln>
+          </p:spPr>
+          <p:style>
+            <a:lnRef idx="1">
+              <a:schemeClr val="accent1"/>
+            </a:lnRef>
+            <a:fillRef idx="0">
+              <a:schemeClr val="accent1"/>
+            </a:fillRef>
+            <a:effectRef idx="0">
+              <a:schemeClr val="accent1"/>
+            </a:effectRef>
+            <a:fontRef idx="minor">
+              <a:schemeClr val="tx1"/>
+            </a:fontRef>
+          </p:style>
+        </p:cxnSp>
+      </p:grpSp>
+      <p:pic>
+        <p:nvPicPr>
+          <p:cNvPr id="17" name="boussole" descr="Cercle avec flèche gauche avec un remplissage uni">
+            <a:extLst>
+              <a:ext uri="{FF2B5EF4-FFF2-40B4-BE49-F238E27FC236}">
+                <a16:creationId xmlns:a16="http://schemas.microsoft.com/office/drawing/2014/main" id="{74AA9C7F-C8F6-E754-5F98-FDBA897B7BD2}"/>
+              </a:ext>
+            </a:extLst>
+          </p:cNvPr>
+          <p:cNvPicPr>
+            <a:picLocks noChangeAspect="1"/>
+          </p:cNvPicPr>
+          <p:nvPr/>
+        </p:nvPicPr>
+        <p:blipFill>
+          <a:blip r:embed="rId7">
+            <a:extLst>
+              <a:ext uri="{28A0092B-C50C-407E-A947-70E740481C1C}">
+                <a14:useLocalDpi xmlns:a14="http://schemas.microsoft.com/office/drawing/2010/main" val="0"/>
+              </a:ext>
+              <a:ext uri="{96DAC541-7B7A-43D3-8B79-37D633B846F1}">
+                <asvg:svgBlip xmlns:asvg="http://schemas.microsoft.com/office/drawing/2016/SVG/main" r:embed="rId8"/>
+              </a:ext>
+            </a:extLst>
+          </a:blip>
+          <a:stretch>
+            <a:fillRect/>
+          </a:stretch>
+        </p:blipFill>
+        <p:spPr>
           <a:xfrm rot="10800000">
             <a:off x="628301" y="1603882"/>
             <a:ext cx="720000" cy="720000"/>
@@ -5127,7 +5899,7 @@
 </p:sld>
 </file>
 
-<file path=ppt/slides/slide11.xml><?xml version="1.0" encoding="utf-8"?>
+<file path=ppt/slides/slide12.xml><?xml version="1.0" encoding="utf-8"?>
 <p:sld xmlns:a="http://schemas.openxmlformats.org/drawingml/2006/main" xmlns:r="http://schemas.openxmlformats.org/officeDocument/2006/relationships" xmlns:p="http://schemas.openxmlformats.org/presentationml/2006/main" show="0">
   <p:cSld>
     <p:spTree>
@@ -6377,6 +7149,298 @@
           </p:style>
         </p:cxnSp>
       </p:grpSp>
+      <p:grpSp>
+        <p:nvGrpSpPr>
+          <p:cNvPr id="31" name="TextField">
+            <a:extLst>
+              <a:ext uri="{FF2B5EF4-FFF2-40B4-BE49-F238E27FC236}">
+                <a16:creationId xmlns:a16="http://schemas.microsoft.com/office/drawing/2014/main" id="{99DE03B2-34B5-56B8-3279-BF416C3816DC}"/>
+              </a:ext>
+            </a:extLst>
+          </p:cNvPr>
+          <p:cNvGrpSpPr/>
+          <p:nvPr/>
+        </p:nvGrpSpPr>
+        <p:grpSpPr>
+          <a:xfrm>
+            <a:off x="935292" y="5266839"/>
+            <a:ext cx="4840223" cy="727073"/>
+            <a:chOff x="935292" y="5266839"/>
+            <a:chExt cx="4840223" cy="727073"/>
+          </a:xfrm>
+        </p:grpSpPr>
+        <p:grpSp>
+          <p:nvGrpSpPr>
+            <p:cNvPr id="29" name="TextFieldStyle1">
+              <a:extLst>
+                <a:ext uri="{FF2B5EF4-FFF2-40B4-BE49-F238E27FC236}">
+                  <a16:creationId xmlns:a16="http://schemas.microsoft.com/office/drawing/2014/main" id="{9AB0EB4D-956B-EB8D-FE98-95E6A6B1F7D9}"/>
+                </a:ext>
+              </a:extLst>
+            </p:cNvPr>
+            <p:cNvGrpSpPr/>
+            <p:nvPr/>
+          </p:nvGrpSpPr>
+          <p:grpSpPr>
+            <a:xfrm>
+              <a:off x="935292" y="5493825"/>
+              <a:ext cx="4840223" cy="500087"/>
+              <a:chOff x="935292" y="5493825"/>
+              <a:chExt cx="4840223" cy="500087"/>
+            </a:xfrm>
+          </p:grpSpPr>
+          <p:sp>
+            <p:nvSpPr>
+              <p:cNvPr id="13" name="textFieldHint">
+                <a:extLst>
+                  <a:ext uri="{FF2B5EF4-FFF2-40B4-BE49-F238E27FC236}">
+                    <a16:creationId xmlns:a16="http://schemas.microsoft.com/office/drawing/2014/main" id="{C669E8FB-BA5F-1C7B-DABF-0CE36C1E57FD}"/>
+                  </a:ext>
+                </a:extLst>
+              </p:cNvPr>
+              <p:cNvSpPr txBox="1"/>
+              <p:nvPr/>
+            </p:nvSpPr>
+            <p:spPr>
+              <a:xfrm>
+                <a:off x="935292" y="5493825"/>
+                <a:ext cx="4819532" cy="461665"/>
+              </a:xfrm>
+              <a:prstGeom prst="rect">
+                <a:avLst/>
+              </a:prstGeom>
+              <a:noFill/>
+            </p:spPr>
+            <p:txBody>
+              <a:bodyPr wrap="square" rtlCol="0">
+                <a:spAutoFit/>
+              </a:bodyPr>
+              <a:lstStyle/>
+              <a:p>
+                <a:r>
+                  <a:rPr lang="fr-FR" sz="2400" dirty="0">
+                    <a:solidFill>
+                      <a:schemeClr val="bg1">
+                        <a:lumMod val="50000"/>
+                      </a:schemeClr>
+                    </a:solidFill>
+                  </a:rPr>
+                  <a:t>Indice</a:t>
+                </a:r>
+              </a:p>
+            </p:txBody>
+          </p:sp>
+          <p:cxnSp>
+            <p:nvCxnSpPr>
+              <p:cNvPr id="15" name="textFieldUnderline">
+                <a:extLst>
+                  <a:ext uri="{FF2B5EF4-FFF2-40B4-BE49-F238E27FC236}">
+                    <a16:creationId xmlns:a16="http://schemas.microsoft.com/office/drawing/2014/main" id="{597B76C1-A528-FD88-36DF-BD55D906D201}"/>
+                  </a:ext>
+                </a:extLst>
+              </p:cNvPr>
+              <p:cNvCxnSpPr/>
+              <p:nvPr/>
+            </p:nvCxnSpPr>
+            <p:spPr>
+              <a:xfrm>
+                <a:off x="935292" y="5993912"/>
+                <a:ext cx="4840223" cy="0"/>
+              </a:xfrm>
+              <a:prstGeom prst="line">
+                <a:avLst/>
+              </a:prstGeom>
+              <a:ln w="19050">
+                <a:solidFill>
+                  <a:schemeClr val="tx1">
+                    <a:lumMod val="50000"/>
+                    <a:lumOff val="50000"/>
+                  </a:schemeClr>
+                </a:solidFill>
+              </a:ln>
+            </p:spPr>
+            <p:style>
+              <a:lnRef idx="1">
+                <a:schemeClr val="accent1"/>
+              </a:lnRef>
+              <a:fillRef idx="0">
+                <a:schemeClr val="accent1"/>
+              </a:fillRef>
+              <a:effectRef idx="0">
+                <a:schemeClr val="accent1"/>
+              </a:effectRef>
+              <a:fontRef idx="minor">
+                <a:schemeClr val="tx1"/>
+              </a:fontRef>
+            </p:style>
+          </p:cxnSp>
+        </p:grpSp>
+        <p:grpSp>
+          <p:nvGrpSpPr>
+            <p:cNvPr id="30" name="TextFieldStyle2">
+              <a:extLst>
+                <a:ext uri="{FF2B5EF4-FFF2-40B4-BE49-F238E27FC236}">
+                  <a16:creationId xmlns:a16="http://schemas.microsoft.com/office/drawing/2014/main" id="{41C44696-950C-49AE-0681-D3488850C24F}"/>
+                </a:ext>
+              </a:extLst>
+            </p:cNvPr>
+            <p:cNvGrpSpPr/>
+            <p:nvPr/>
+          </p:nvGrpSpPr>
+          <p:grpSpPr>
+            <a:xfrm>
+              <a:off x="935292" y="5266839"/>
+              <a:ext cx="4840223" cy="712466"/>
+              <a:chOff x="935292" y="5266839"/>
+              <a:chExt cx="4840223" cy="712466"/>
+            </a:xfrm>
+          </p:grpSpPr>
+          <p:sp>
+            <p:nvSpPr>
+              <p:cNvPr id="22" name="border">
+                <a:extLst>
+                  <a:ext uri="{FF2B5EF4-FFF2-40B4-BE49-F238E27FC236}">
+                    <a16:creationId xmlns:a16="http://schemas.microsoft.com/office/drawing/2014/main" id="{AC3812CE-4039-4285-8775-2158994EF5AA}"/>
+                  </a:ext>
+                </a:extLst>
+              </p:cNvPr>
+              <p:cNvSpPr/>
+              <p:nvPr/>
+            </p:nvSpPr>
+            <p:spPr>
+              <a:xfrm>
+                <a:off x="935292" y="5469094"/>
+                <a:ext cx="4840223" cy="510211"/>
+              </a:xfrm>
+              <a:prstGeom prst="roundRect">
+                <a:avLst>
+                  <a:gd name="adj" fmla="val 32926"/>
+                </a:avLst>
+              </a:prstGeom>
+              <a:noFill/>
+              <a:ln>
+                <a:solidFill>
+                  <a:schemeClr val="tx1">
+                    <a:lumMod val="50000"/>
+                    <a:lumOff val="50000"/>
+                  </a:schemeClr>
+                </a:solidFill>
+              </a:ln>
+            </p:spPr>
+            <p:style>
+              <a:lnRef idx="2">
+                <a:schemeClr val="accent1">
+                  <a:shade val="50000"/>
+                </a:schemeClr>
+              </a:lnRef>
+              <a:fillRef idx="1">
+                <a:schemeClr val="accent1"/>
+              </a:fillRef>
+              <a:effectRef idx="0">
+                <a:schemeClr val="accent1"/>
+              </a:effectRef>
+              <a:fontRef idx="minor">
+                <a:schemeClr val="lt1"/>
+              </a:fontRef>
+            </p:style>
+            <p:txBody>
+              <a:bodyPr rtlCol="0" anchor="ctr"/>
+              <a:lstStyle/>
+              <a:p>
+                <a:pPr algn="ctr"/>
+                <a:endParaRPr lang="fr-FR"/>
+              </a:p>
+            </p:txBody>
+          </p:sp>
+          <p:sp>
+            <p:nvSpPr>
+              <p:cNvPr id="27" name="textFieldHint2">
+                <a:extLst>
+                  <a:ext uri="{FF2B5EF4-FFF2-40B4-BE49-F238E27FC236}">
+                    <a16:creationId xmlns:a16="http://schemas.microsoft.com/office/drawing/2014/main" id="{8A1AB558-B5C5-DAF9-9111-3C0465EC2599}"/>
+                  </a:ext>
+                </a:extLst>
+              </p:cNvPr>
+              <p:cNvSpPr txBox="1"/>
+              <p:nvPr/>
+            </p:nvSpPr>
+            <p:spPr>
+              <a:xfrm>
+                <a:off x="1140659" y="5266839"/>
+                <a:ext cx="778629" cy="338554"/>
+              </a:xfrm>
+              <a:prstGeom prst="rect">
+                <a:avLst/>
+              </a:prstGeom>
+              <a:solidFill>
+                <a:schemeClr val="bg1"/>
+              </a:solidFill>
+            </p:spPr>
+            <p:txBody>
+              <a:bodyPr wrap="square" rtlCol="0">
+                <a:spAutoFit/>
+              </a:bodyPr>
+              <a:lstStyle/>
+              <a:p>
+                <a:r>
+                  <a:rPr lang="fr-FR" sz="1600" dirty="0">
+                    <a:solidFill>
+                      <a:schemeClr val="tx1">
+                        <a:lumMod val="50000"/>
+                        <a:lumOff val="50000"/>
+                      </a:schemeClr>
+                    </a:solidFill>
+                  </a:rPr>
+                  <a:t>Indice</a:t>
+                </a:r>
+                <a:endParaRPr lang="fr-FR" dirty="0">
+                  <a:solidFill>
+                    <a:schemeClr val="tx1">
+                      <a:lumMod val="50000"/>
+                      <a:lumOff val="50000"/>
+                    </a:schemeClr>
+                  </a:solidFill>
+                </a:endParaRPr>
+              </a:p>
+            </p:txBody>
+          </p:sp>
+        </p:grpSp>
+        <p:sp>
+          <p:nvSpPr>
+            <p:cNvPr id="16" name="textFieldText">
+              <a:extLst>
+                <a:ext uri="{FF2B5EF4-FFF2-40B4-BE49-F238E27FC236}">
+                  <a16:creationId xmlns:a16="http://schemas.microsoft.com/office/drawing/2014/main" id="{8D4E4101-D9A5-66CA-7B1A-5B391BD13A5A}"/>
+                </a:ext>
+              </a:extLst>
+            </p:cNvPr>
+            <p:cNvSpPr txBox="1"/>
+            <p:nvPr/>
+          </p:nvSpPr>
+          <p:spPr>
+            <a:xfrm>
+              <a:off x="935292" y="5488731"/>
+              <a:ext cx="4819532" cy="461665"/>
+            </a:xfrm>
+            <a:prstGeom prst="rect">
+              <a:avLst/>
+            </a:prstGeom>
+            <a:noFill/>
+          </p:spPr>
+          <p:txBody>
+            <a:bodyPr wrap="square" rtlCol="0">
+              <a:spAutoFit/>
+            </a:bodyPr>
+            <a:lstStyle/>
+            <a:p>
+              <a:r>
+                <a:rPr lang="fr-FR" sz="2400" dirty="0"/>
+                <a:t>Champ</a:t>
+              </a:r>
+            </a:p>
+          </p:txBody>
+        </p:sp>
+      </p:grpSp>
     </p:spTree>
     <p:extLst>
       <p:ext uri="{BB962C8B-B14F-4D97-AF65-F5344CB8AC3E}">
@@ -6525,6 +7589,7 @@
         <p:pic>
           <p:nvPicPr>
             <p:cNvPr id="5" name="appbar_action" descr="Crayon avec un remplissage uni">
+              <a:hlinkClick r:id="rId2" action="ppaction://hlinksldjump"/>
               <a:extLst>
                 <a:ext uri="{FF2B5EF4-FFF2-40B4-BE49-F238E27FC236}">
                   <a16:creationId xmlns:a16="http://schemas.microsoft.com/office/drawing/2014/main" id="{169ADEA2-0284-87D8-B338-5D180EE6D6C8}"/>
@@ -6537,13 +7602,13 @@
             <p:nvPr/>
           </p:nvPicPr>
           <p:blipFill>
-            <a:blip r:embed="rId2">
+            <a:blip r:embed="rId3">
               <a:extLst>
                 <a:ext uri="{28A0092B-C50C-407E-A947-70E740481C1C}">
                   <a14:useLocalDpi xmlns:a14="http://schemas.microsoft.com/office/drawing/2010/main" val="0"/>
                 </a:ext>
                 <a:ext uri="{96DAC541-7B7A-43D3-8B79-37D633B846F1}">
-                  <asvg:svgBlip xmlns:asvg="http://schemas.microsoft.com/office/drawing/2016/SVG/main" r:embed="rId3"/>
+                  <asvg:svgBlip xmlns:asvg="http://schemas.microsoft.com/office/drawing/2016/SVG/main" r:embed="rId4"/>
                 </a:ext>
               </a:extLst>
             </a:blip>
@@ -6576,13 +7641,13 @@
             <p:nvPr/>
           </p:nvPicPr>
           <p:blipFill>
-            <a:blip r:embed="rId4">
+            <a:blip r:embed="rId5">
               <a:extLst>
                 <a:ext uri="{28A0092B-C50C-407E-A947-70E740481C1C}">
                   <a14:useLocalDpi xmlns:a14="http://schemas.microsoft.com/office/drawing/2010/main" val="0"/>
                 </a:ext>
                 <a:ext uri="{96DAC541-7B7A-43D3-8B79-37D633B846F1}">
-                  <asvg:svgBlip xmlns:asvg="http://schemas.microsoft.com/office/drawing/2016/SVG/main" r:embed="rId5"/>
+                  <asvg:svgBlip xmlns:asvg="http://schemas.microsoft.com/office/drawing/2016/SVG/main" r:embed="rId6"/>
                 </a:ext>
               </a:extLst>
             </a:blip>
@@ -6756,13 +7821,13 @@
             <p:nvPr/>
           </p:nvPicPr>
           <p:blipFill>
-            <a:blip r:embed="rId6">
+            <a:blip r:embed="rId7">
               <a:extLst>
                 <a:ext uri="{28A0092B-C50C-407E-A947-70E740481C1C}">
                   <a14:useLocalDpi xmlns:a14="http://schemas.microsoft.com/office/drawing/2010/main" val="0"/>
                 </a:ext>
                 <a:ext uri="{96DAC541-7B7A-43D3-8B79-37D633B846F1}">
-                  <asvg:svgBlip xmlns:asvg="http://schemas.microsoft.com/office/drawing/2016/SVG/main" r:embed="rId7"/>
+                  <asvg:svgBlip xmlns:asvg="http://schemas.microsoft.com/office/drawing/2016/SVG/main" r:embed="rId8"/>
                 </a:ext>
               </a:extLst>
             </a:blip>
@@ -6836,13 +7901,13 @@
             <p:nvPr/>
           </p:nvPicPr>
           <p:blipFill>
-            <a:blip r:embed="rId8">
+            <a:blip r:embed="rId9">
               <a:extLst>
                 <a:ext uri="{28A0092B-C50C-407E-A947-70E740481C1C}">
                   <a14:useLocalDpi xmlns:a14="http://schemas.microsoft.com/office/drawing/2010/main" val="0"/>
                 </a:ext>
                 <a:ext uri="{96DAC541-7B7A-43D3-8B79-37D633B846F1}">
-                  <asvg:svgBlip xmlns:asvg="http://schemas.microsoft.com/office/drawing/2016/SVG/main" r:embed="rId9"/>
+                  <asvg:svgBlip xmlns:asvg="http://schemas.microsoft.com/office/drawing/2016/SVG/main" r:embed="rId10"/>
                 </a:ext>
               </a:extLst>
             </a:blip>
@@ -7038,13 +8103,13 @@
             <p:nvPr/>
           </p:nvPicPr>
           <p:blipFill>
-            <a:blip r:embed="rId10">
+            <a:blip r:embed="rId11">
               <a:extLst>
                 <a:ext uri="{28A0092B-C50C-407E-A947-70E740481C1C}">
                   <a14:useLocalDpi xmlns:a14="http://schemas.microsoft.com/office/drawing/2010/main" val="0"/>
                 </a:ext>
                 <a:ext uri="{96DAC541-7B7A-43D3-8B79-37D633B846F1}">
-                  <asvg:svgBlip xmlns:asvg="http://schemas.microsoft.com/office/drawing/2016/SVG/main" r:embed="rId11"/>
+                  <asvg:svgBlip xmlns:asvg="http://schemas.microsoft.com/office/drawing/2016/SVG/main" r:embed="rId12"/>
                 </a:ext>
               </a:extLst>
             </a:blip>
@@ -7196,13 +8261,13 @@
             <p:nvPr/>
           </p:nvPicPr>
           <p:blipFill>
-            <a:blip r:embed="rId10">
+            <a:blip r:embed="rId11">
               <a:extLst>
                 <a:ext uri="{28A0092B-C50C-407E-A947-70E740481C1C}">
                   <a14:useLocalDpi xmlns:a14="http://schemas.microsoft.com/office/drawing/2010/main" val="0"/>
                 </a:ext>
                 <a:ext uri="{96DAC541-7B7A-43D3-8B79-37D633B846F1}">
-                  <asvg:svgBlip xmlns:asvg="http://schemas.microsoft.com/office/drawing/2016/SVG/main" r:embed="rId11"/>
+                  <asvg:svgBlip xmlns:asvg="http://schemas.microsoft.com/office/drawing/2016/SVG/main" r:embed="rId12"/>
                 </a:ext>
               </a:extLst>
             </a:blip>
@@ -7354,13 +8419,13 @@
             <p:nvPr/>
           </p:nvPicPr>
           <p:blipFill>
-            <a:blip r:embed="rId10">
+            <a:blip r:embed="rId11">
               <a:extLst>
                 <a:ext uri="{28A0092B-C50C-407E-A947-70E740481C1C}">
                   <a14:useLocalDpi xmlns:a14="http://schemas.microsoft.com/office/drawing/2010/main" val="0"/>
                 </a:ext>
                 <a:ext uri="{96DAC541-7B7A-43D3-8B79-37D633B846F1}">
-                  <asvg:svgBlip xmlns:asvg="http://schemas.microsoft.com/office/drawing/2016/SVG/main" r:embed="rId11"/>
+                  <asvg:svgBlip xmlns:asvg="http://schemas.microsoft.com/office/drawing/2016/SVG/main" r:embed="rId12"/>
                 </a:ext>
               </a:extLst>
             </a:blip>
@@ -7382,7 +8447,7 @@
       <p:sp>
         <p:nvSpPr>
           <p:cNvPr id="28" name="zone cliquable couloir 1/2">
-            <a:hlinkClick r:id="rId12" action="ppaction://hlinksldjump"/>
+            <a:hlinkClick r:id="rId13" action="ppaction://hlinksldjump"/>
             <a:extLst>
               <a:ext uri="{FF2B5EF4-FFF2-40B4-BE49-F238E27FC236}">
                 <a16:creationId xmlns:a16="http://schemas.microsoft.com/office/drawing/2014/main" id="{4996BA90-A9BC-ECF6-FB82-A39FEA9F8AF1}"/>
@@ -7433,7 +8498,7 @@
       <p:sp>
         <p:nvSpPr>
           <p:cNvPr id="29" name="zone cliquable couloir 2/2">
-            <a:hlinkClick r:id="rId13" action="ppaction://hlinksldjump"/>
+            <a:hlinkClick r:id="rId14" action="ppaction://hlinksldjump"/>
             <a:extLst>
               <a:ext uri="{FF2B5EF4-FFF2-40B4-BE49-F238E27FC236}">
                 <a16:creationId xmlns:a16="http://schemas.microsoft.com/office/drawing/2014/main" id="{59D637A7-A5D6-E818-F5DA-EC5734918ADE}"/>
@@ -7495,6 +8560,1031 @@
 </file>
 
 <file path=ppt/slides/slide3.xml><?xml version="1.0" encoding="utf-8"?>
+<p:sld xmlns:a="http://schemas.openxmlformats.org/drawingml/2006/main" xmlns:r="http://schemas.openxmlformats.org/officeDocument/2006/relationships" xmlns:p="http://schemas.openxmlformats.org/presentationml/2006/main">
+  <p:cSld>
+    <p:spTree>
+      <p:nvGrpSpPr>
+        <p:cNvPr id="1" name=""/>
+        <p:cNvGrpSpPr/>
+        <p:nvPr/>
+      </p:nvGrpSpPr>
+      <p:grpSpPr>
+        <a:xfrm>
+          <a:off x="0" y="0"/>
+          <a:ext cx="0" cy="0"/>
+          <a:chOff x="0" y="0"/>
+          <a:chExt cx="0" cy="0"/>
+        </a:xfrm>
+      </p:grpSpPr>
+      <p:grpSp>
+        <p:nvGrpSpPr>
+          <p:cNvPr id="2" name="AppBar">
+            <a:extLst>
+              <a:ext uri="{FF2B5EF4-FFF2-40B4-BE49-F238E27FC236}">
+                <a16:creationId xmlns:a16="http://schemas.microsoft.com/office/drawing/2014/main" id="{CDC3FCD9-6294-F1C2-000E-B25C02A45E76}"/>
+              </a:ext>
+            </a:extLst>
+          </p:cNvPr>
+          <p:cNvGrpSpPr/>
+          <p:nvPr/>
+        </p:nvGrpSpPr>
+        <p:grpSpPr>
+          <a:xfrm>
+            <a:off x="531101" y="262759"/>
+            <a:ext cx="5795798" cy="1322694"/>
+            <a:chOff x="531101" y="262759"/>
+            <a:chExt cx="5795798" cy="1322694"/>
+          </a:xfrm>
+        </p:grpSpPr>
+        <p:sp>
+          <p:nvSpPr>
+            <p:cNvPr id="3" name="appbar_background">
+              <a:extLst>
+                <a:ext uri="{FF2B5EF4-FFF2-40B4-BE49-F238E27FC236}">
+                  <a16:creationId xmlns:a16="http://schemas.microsoft.com/office/drawing/2014/main" id="{35B0365B-1A1E-5119-41A8-AEC5ADB72548}"/>
+                </a:ext>
+              </a:extLst>
+            </p:cNvPr>
+            <p:cNvSpPr/>
+            <p:nvPr/>
+          </p:nvSpPr>
+          <p:spPr>
+            <a:xfrm>
+              <a:off x="531101" y="262759"/>
+              <a:ext cx="5795798" cy="1322694"/>
+            </a:xfrm>
+            <a:prstGeom prst="round2SameRect">
+              <a:avLst>
+                <a:gd name="adj1" fmla="val 34546"/>
+                <a:gd name="adj2" fmla="val 0"/>
+              </a:avLst>
+            </a:prstGeom>
+            <a:solidFill>
+              <a:schemeClr val="accent5"/>
+            </a:solidFill>
+            <a:ln>
+              <a:noFill/>
+            </a:ln>
+          </p:spPr>
+          <p:style>
+            <a:lnRef idx="2">
+              <a:schemeClr val="accent1">
+                <a:shade val="50000"/>
+              </a:schemeClr>
+            </a:lnRef>
+            <a:fillRef idx="1">
+              <a:schemeClr val="accent1"/>
+            </a:fillRef>
+            <a:effectRef idx="0">
+              <a:schemeClr val="accent1"/>
+            </a:effectRef>
+            <a:fontRef idx="minor">
+              <a:schemeClr val="lt1"/>
+            </a:fontRef>
+          </p:style>
+          <p:txBody>
+            <a:bodyPr rtlCol="0" anchor="ctr"/>
+            <a:lstStyle/>
+            <a:p>
+              <a:pPr algn="ctr"/>
+              <a:endParaRPr lang="fr-FR"/>
+            </a:p>
+          </p:txBody>
+        </p:sp>
+        <p:sp>
+          <p:nvSpPr>
+            <p:cNvPr id="4" name="appbar_title">
+              <a:extLst>
+                <a:ext uri="{FF2B5EF4-FFF2-40B4-BE49-F238E27FC236}">
+                  <a16:creationId xmlns:a16="http://schemas.microsoft.com/office/drawing/2014/main" id="{E4FBE4BB-9392-DCFC-A05A-57E742A4F504}"/>
+                </a:ext>
+              </a:extLst>
+            </p:cNvPr>
+            <p:cNvSpPr txBox="1"/>
+            <p:nvPr/>
+          </p:nvSpPr>
+          <p:spPr>
+            <a:xfrm>
+              <a:off x="1348301" y="787127"/>
+              <a:ext cx="4264223" cy="584775"/>
+            </a:xfrm>
+            <a:prstGeom prst="rect">
+              <a:avLst/>
+            </a:prstGeom>
+            <a:noFill/>
+          </p:spPr>
+          <p:txBody>
+            <a:bodyPr wrap="square" rtlCol="0">
+              <a:spAutoFit/>
+            </a:bodyPr>
+            <a:lstStyle/>
+            <a:p>
+              <a:pPr algn="ctr"/>
+              <a:r>
+                <a:rPr lang="fr-FR" sz="3200" dirty="0">
+                  <a:solidFill>
+                    <a:schemeClr val="bg1"/>
+                  </a:solidFill>
+                </a:rPr>
+                <a:t>Edition</a:t>
+              </a:r>
+            </a:p>
+          </p:txBody>
+        </p:sp>
+        <p:pic>
+          <p:nvPicPr>
+            <p:cNvPr id="5" name="appbar_action" descr="Crayon avec un remplissage uni" hidden="1">
+              <a:extLst>
+                <a:ext uri="{FF2B5EF4-FFF2-40B4-BE49-F238E27FC236}">
+                  <a16:creationId xmlns:a16="http://schemas.microsoft.com/office/drawing/2014/main" id="{169ADEA2-0284-87D8-B338-5D180EE6D6C8}"/>
+                </a:ext>
+              </a:extLst>
+            </p:cNvPr>
+            <p:cNvPicPr>
+              <a:picLocks noChangeAspect="1"/>
+            </p:cNvPicPr>
+            <p:nvPr/>
+          </p:nvPicPr>
+          <p:blipFill>
+            <a:blip r:embed="rId2">
+              <a:extLst>
+                <a:ext uri="{28A0092B-C50C-407E-A947-70E740481C1C}">
+                  <a14:useLocalDpi xmlns:a14="http://schemas.microsoft.com/office/drawing/2010/main" val="0"/>
+                </a:ext>
+                <a:ext uri="{96DAC541-7B7A-43D3-8B79-37D633B846F1}">
+                  <asvg:svgBlip xmlns:asvg="http://schemas.microsoft.com/office/drawing/2016/SVG/main" r:embed="rId3"/>
+                </a:ext>
+              </a:extLst>
+            </a:blip>
+            <a:srcRect/>
+            <a:stretch/>
+          </p:blipFill>
+          <p:spPr>
+            <a:xfrm>
+              <a:off x="5365698" y="827514"/>
+              <a:ext cx="504000" cy="504000"/>
+            </a:xfrm>
+            <a:prstGeom prst="rect">
+              <a:avLst/>
+            </a:prstGeom>
+          </p:spPr>
+        </p:pic>
+        <p:pic>
+          <p:nvPicPr>
+            <p:cNvPr id="6" name="retour" descr="Point d’insertion vers la gauche avec un remplissage uni">
+              <a:hlinkClick r:id="rId4" action="ppaction://hlinksldjump"/>
+              <a:extLst>
+                <a:ext uri="{FF2B5EF4-FFF2-40B4-BE49-F238E27FC236}">
+                  <a16:creationId xmlns:a16="http://schemas.microsoft.com/office/drawing/2014/main" id="{D50EB3B1-EF14-F0E8-0C7E-1D7FCE340533}"/>
+                </a:ext>
+              </a:extLst>
+            </p:cNvPr>
+            <p:cNvPicPr>
+              <a:picLocks noChangeAspect="1"/>
+            </p:cNvPicPr>
+            <p:nvPr/>
+          </p:nvPicPr>
+          <p:blipFill>
+            <a:blip r:embed="rId5">
+              <a:extLst>
+                <a:ext uri="{28A0092B-C50C-407E-A947-70E740481C1C}">
+                  <a14:useLocalDpi xmlns:a14="http://schemas.microsoft.com/office/drawing/2010/main" val="0"/>
+                </a:ext>
+                <a:ext uri="{96DAC541-7B7A-43D3-8B79-37D633B846F1}">
+                  <asvg:svgBlip xmlns:asvg="http://schemas.microsoft.com/office/drawing/2016/SVG/main" r:embed="rId6"/>
+                </a:ext>
+              </a:extLst>
+            </a:blip>
+            <a:stretch>
+              <a:fillRect/>
+            </a:stretch>
+          </p:blipFill>
+          <p:spPr>
+            <a:xfrm>
+              <a:off x="628301" y="719514"/>
+              <a:ext cx="720000" cy="720000"/>
+            </a:xfrm>
+            <a:prstGeom prst="rect">
+              <a:avLst/>
+            </a:prstGeom>
+          </p:spPr>
+        </p:pic>
+      </p:grpSp>
+      <p:sp>
+        <p:nvSpPr>
+          <p:cNvPr id="7" name="tel">
+            <a:extLst>
+              <a:ext uri="{FF2B5EF4-FFF2-40B4-BE49-F238E27FC236}">
+                <a16:creationId xmlns:a16="http://schemas.microsoft.com/office/drawing/2014/main" id="{4B179BD3-A0E3-9CD3-D0F3-F55A25B2626F}"/>
+              </a:ext>
+            </a:extLst>
+          </p:cNvPr>
+          <p:cNvSpPr/>
+          <p:nvPr/>
+        </p:nvSpPr>
+        <p:spPr>
+          <a:xfrm>
+            <a:off x="531101" y="262759"/>
+            <a:ext cx="5795798" cy="11666483"/>
+          </a:xfrm>
+          <a:prstGeom prst="roundRect">
+            <a:avLst>
+              <a:gd name="adj" fmla="val 6874"/>
+            </a:avLst>
+          </a:prstGeom>
+          <a:noFill/>
+          <a:ln w="203200">
+            <a:solidFill>
+              <a:schemeClr val="tx1"/>
+            </a:solidFill>
+          </a:ln>
+        </p:spPr>
+        <p:style>
+          <a:lnRef idx="2">
+            <a:schemeClr val="accent1">
+              <a:shade val="50000"/>
+            </a:schemeClr>
+          </a:lnRef>
+          <a:fillRef idx="1">
+            <a:schemeClr val="accent1"/>
+          </a:fillRef>
+          <a:effectRef idx="0">
+            <a:schemeClr val="accent1"/>
+          </a:effectRef>
+          <a:fontRef idx="minor">
+            <a:schemeClr val="lt1"/>
+          </a:fontRef>
+        </p:style>
+        <p:txBody>
+          <a:bodyPr rtlCol="0" anchor="ctr"/>
+          <a:lstStyle/>
+          <a:p>
+            <a:pPr algn="ctr"/>
+            <a:endParaRPr lang="fr-FR"/>
+          </a:p>
+        </p:txBody>
+      </p:sp>
+      <p:sp>
+        <p:nvSpPr>
+          <p:cNvPr id="8" name="FloatingButton">
+            <a:hlinkClick r:id="rId4" action="ppaction://hlinksldjump"/>
+            <a:extLst>
+              <a:ext uri="{FF2B5EF4-FFF2-40B4-BE49-F238E27FC236}">
+                <a16:creationId xmlns:a16="http://schemas.microsoft.com/office/drawing/2014/main" id="{C54248C3-4008-5C17-02DA-C4F1D67C51BC}"/>
+              </a:ext>
+            </a:extLst>
+          </p:cNvPr>
+          <p:cNvSpPr/>
+          <p:nvPr/>
+        </p:nvSpPr>
+        <p:spPr>
+          <a:xfrm>
+            <a:off x="804041" y="10877698"/>
+            <a:ext cx="5249917" cy="759690"/>
+          </a:xfrm>
+          <a:prstGeom prst="roundRect">
+            <a:avLst>
+              <a:gd name="adj" fmla="val 50000"/>
+            </a:avLst>
+          </a:prstGeom>
+          <a:solidFill>
+            <a:schemeClr val="accent5">
+              <a:lumMod val="75000"/>
+            </a:schemeClr>
+          </a:solidFill>
+          <a:ln>
+            <a:noFill/>
+          </a:ln>
+          <a:effectLst>
+            <a:outerShdw blurRad="101600" dist="76200" dir="5400000" algn="t" rotWithShape="0">
+              <a:prstClr val="black">
+                <a:alpha val="40000"/>
+              </a:prstClr>
+            </a:outerShdw>
+          </a:effectLst>
+        </p:spPr>
+        <p:style>
+          <a:lnRef idx="2">
+            <a:schemeClr val="accent1">
+              <a:shade val="50000"/>
+            </a:schemeClr>
+          </a:lnRef>
+          <a:fillRef idx="1">
+            <a:schemeClr val="accent1"/>
+          </a:fillRef>
+          <a:effectRef idx="0">
+            <a:schemeClr val="accent1"/>
+          </a:effectRef>
+          <a:fontRef idx="minor">
+            <a:schemeClr val="lt1"/>
+          </a:fontRef>
+        </p:style>
+        <p:txBody>
+          <a:bodyPr rtlCol="0" anchor="ctr"/>
+          <a:lstStyle/>
+          <a:p>
+            <a:pPr algn="ctr"/>
+            <a:r>
+              <a:rPr lang="fr-FR" sz="2800" dirty="0"/>
+              <a:t>Enregistrer</a:t>
+            </a:r>
+          </a:p>
+        </p:txBody>
+      </p:sp>
+      <p:grpSp>
+        <p:nvGrpSpPr>
+          <p:cNvPr id="32" name="Image">
+            <a:extLst>
+              <a:ext uri="{FF2B5EF4-FFF2-40B4-BE49-F238E27FC236}">
+                <a16:creationId xmlns:a16="http://schemas.microsoft.com/office/drawing/2014/main" id="{371264B0-8128-9857-E61F-6981855D56FC}"/>
+              </a:ext>
+            </a:extLst>
+          </p:cNvPr>
+          <p:cNvGrpSpPr/>
+          <p:nvPr/>
+        </p:nvGrpSpPr>
+        <p:grpSpPr>
+          <a:xfrm>
+            <a:off x="1008886" y="2923449"/>
+            <a:ext cx="4819531" cy="3172549"/>
+            <a:chOff x="4314824" y="3885146"/>
+            <a:chExt cx="1440000" cy="1440000"/>
+          </a:xfrm>
+        </p:grpSpPr>
+        <p:sp>
+          <p:nvSpPr>
+            <p:cNvPr id="33" name="Rectangle 32">
+              <a:extLst>
+                <a:ext uri="{FF2B5EF4-FFF2-40B4-BE49-F238E27FC236}">
+                  <a16:creationId xmlns:a16="http://schemas.microsoft.com/office/drawing/2014/main" id="{7AE32E84-CA90-602F-3758-570F2B8E3F24}"/>
+                </a:ext>
+              </a:extLst>
+            </p:cNvPr>
+            <p:cNvSpPr/>
+            <p:nvPr/>
+          </p:nvSpPr>
+          <p:spPr>
+            <a:xfrm>
+              <a:off x="4314824" y="3885146"/>
+              <a:ext cx="1440000" cy="1429648"/>
+            </a:xfrm>
+            <a:prstGeom prst="rect">
+              <a:avLst/>
+            </a:prstGeom>
+            <a:solidFill>
+              <a:schemeClr val="bg1"/>
+            </a:solidFill>
+            <a:ln>
+              <a:solidFill>
+                <a:schemeClr val="tx1">
+                  <a:lumMod val="50000"/>
+                  <a:lumOff val="50000"/>
+                </a:schemeClr>
+              </a:solidFill>
+            </a:ln>
+          </p:spPr>
+          <p:style>
+            <a:lnRef idx="2">
+              <a:schemeClr val="accent1">
+                <a:shade val="50000"/>
+              </a:schemeClr>
+            </a:lnRef>
+            <a:fillRef idx="1">
+              <a:schemeClr val="accent1"/>
+            </a:fillRef>
+            <a:effectRef idx="0">
+              <a:schemeClr val="accent1"/>
+            </a:effectRef>
+            <a:fontRef idx="minor">
+              <a:schemeClr val="lt1"/>
+            </a:fontRef>
+          </p:style>
+          <p:txBody>
+            <a:bodyPr rtlCol="0" anchor="ctr"/>
+            <a:lstStyle/>
+            <a:p>
+              <a:pPr algn="ctr"/>
+              <a:endParaRPr lang="fr-FR"/>
+            </a:p>
+          </p:txBody>
+        </p:sp>
+        <p:cxnSp>
+          <p:nvCxnSpPr>
+            <p:cNvPr id="34" name="Connecteur droit 33">
+              <a:extLst>
+                <a:ext uri="{FF2B5EF4-FFF2-40B4-BE49-F238E27FC236}">
+                  <a16:creationId xmlns:a16="http://schemas.microsoft.com/office/drawing/2014/main" id="{AF663D59-27C0-AF66-EC0C-4C7CA6316296}"/>
+                </a:ext>
+              </a:extLst>
+            </p:cNvPr>
+            <p:cNvCxnSpPr/>
+            <p:nvPr/>
+          </p:nvCxnSpPr>
+          <p:spPr>
+            <a:xfrm>
+              <a:off x="4314824" y="3885146"/>
+              <a:ext cx="1440000" cy="1429648"/>
+            </a:xfrm>
+            <a:prstGeom prst="line">
+              <a:avLst/>
+            </a:prstGeom>
+            <a:ln>
+              <a:solidFill>
+                <a:schemeClr val="tx1">
+                  <a:lumMod val="50000"/>
+                  <a:lumOff val="50000"/>
+                </a:schemeClr>
+              </a:solidFill>
+            </a:ln>
+          </p:spPr>
+          <p:style>
+            <a:lnRef idx="1">
+              <a:schemeClr val="accent1"/>
+            </a:lnRef>
+            <a:fillRef idx="0">
+              <a:schemeClr val="accent1"/>
+            </a:fillRef>
+            <a:effectRef idx="0">
+              <a:schemeClr val="accent1"/>
+            </a:effectRef>
+            <a:fontRef idx="minor">
+              <a:schemeClr val="tx1"/>
+            </a:fontRef>
+          </p:style>
+        </p:cxnSp>
+        <p:cxnSp>
+          <p:nvCxnSpPr>
+            <p:cNvPr id="35" name="Connecteur droit 34">
+              <a:extLst>
+                <a:ext uri="{FF2B5EF4-FFF2-40B4-BE49-F238E27FC236}">
+                  <a16:creationId xmlns:a16="http://schemas.microsoft.com/office/drawing/2014/main" id="{10AF8255-5F79-BD2F-E9F9-DB8724B63DBB}"/>
+                </a:ext>
+              </a:extLst>
+            </p:cNvPr>
+            <p:cNvCxnSpPr/>
+            <p:nvPr/>
+          </p:nvCxnSpPr>
+          <p:spPr>
+            <a:xfrm flipH="1">
+              <a:off x="4314824" y="3885146"/>
+              <a:ext cx="1440000" cy="1440000"/>
+            </a:xfrm>
+            <a:prstGeom prst="line">
+              <a:avLst/>
+            </a:prstGeom>
+            <a:ln>
+              <a:solidFill>
+                <a:schemeClr val="tx1">
+                  <a:lumMod val="50000"/>
+                  <a:lumOff val="50000"/>
+                </a:schemeClr>
+              </a:solidFill>
+            </a:ln>
+          </p:spPr>
+          <p:style>
+            <a:lnRef idx="1">
+              <a:schemeClr val="accent1"/>
+            </a:lnRef>
+            <a:fillRef idx="0">
+              <a:schemeClr val="accent1"/>
+            </a:fillRef>
+            <a:effectRef idx="0">
+              <a:schemeClr val="accent1"/>
+            </a:effectRef>
+            <a:fontRef idx="minor">
+              <a:schemeClr val="tx1"/>
+            </a:fontRef>
+          </p:style>
+        </p:cxnSp>
+      </p:grpSp>
+      <p:grpSp>
+        <p:nvGrpSpPr>
+          <p:cNvPr id="48" name="TextField">
+            <a:extLst>
+              <a:ext uri="{FF2B5EF4-FFF2-40B4-BE49-F238E27FC236}">
+                <a16:creationId xmlns:a16="http://schemas.microsoft.com/office/drawing/2014/main" id="{D16819EC-F464-4C6F-5AE5-033CE1D76F2B}"/>
+              </a:ext>
+            </a:extLst>
+          </p:cNvPr>
+          <p:cNvGrpSpPr/>
+          <p:nvPr/>
+        </p:nvGrpSpPr>
+        <p:grpSpPr>
+          <a:xfrm>
+            <a:off x="1008887" y="1904522"/>
+            <a:ext cx="4840223" cy="727073"/>
+            <a:chOff x="935292" y="5266839"/>
+            <a:chExt cx="4840223" cy="727073"/>
+          </a:xfrm>
+        </p:grpSpPr>
+        <p:grpSp>
+          <p:nvGrpSpPr>
+            <p:cNvPr id="49" name="TextFieldStyle1" hidden="1">
+              <a:extLst>
+                <a:ext uri="{FF2B5EF4-FFF2-40B4-BE49-F238E27FC236}">
+                  <a16:creationId xmlns:a16="http://schemas.microsoft.com/office/drawing/2014/main" id="{F8B7A557-1249-14C0-A51F-03C56BBF57C8}"/>
+                </a:ext>
+              </a:extLst>
+            </p:cNvPr>
+            <p:cNvGrpSpPr/>
+            <p:nvPr/>
+          </p:nvGrpSpPr>
+          <p:grpSpPr>
+            <a:xfrm>
+              <a:off x="935292" y="5493825"/>
+              <a:ext cx="4840223" cy="500087"/>
+              <a:chOff x="935292" y="5493825"/>
+              <a:chExt cx="4840223" cy="500087"/>
+            </a:xfrm>
+          </p:grpSpPr>
+          <p:sp>
+            <p:nvSpPr>
+              <p:cNvPr id="54" name="textFieldHint">
+                <a:extLst>
+                  <a:ext uri="{FF2B5EF4-FFF2-40B4-BE49-F238E27FC236}">
+                    <a16:creationId xmlns:a16="http://schemas.microsoft.com/office/drawing/2014/main" id="{0FA7876E-3998-6D78-8617-FFD8956B823A}"/>
+                  </a:ext>
+                </a:extLst>
+              </p:cNvPr>
+              <p:cNvSpPr txBox="1"/>
+              <p:nvPr/>
+            </p:nvSpPr>
+            <p:spPr>
+              <a:xfrm>
+                <a:off x="935292" y="5493825"/>
+                <a:ext cx="4819532" cy="461665"/>
+              </a:xfrm>
+              <a:prstGeom prst="rect">
+                <a:avLst/>
+              </a:prstGeom>
+              <a:noFill/>
+            </p:spPr>
+            <p:txBody>
+              <a:bodyPr wrap="square" rtlCol="0">
+                <a:spAutoFit/>
+              </a:bodyPr>
+              <a:lstStyle/>
+              <a:p>
+                <a:r>
+                  <a:rPr lang="fr-FR" sz="2400" dirty="0">
+                    <a:solidFill>
+                      <a:schemeClr val="bg1">
+                        <a:lumMod val="50000"/>
+                      </a:schemeClr>
+                    </a:solidFill>
+                  </a:rPr>
+                  <a:t>Indice</a:t>
+                </a:r>
+              </a:p>
+            </p:txBody>
+          </p:sp>
+          <p:cxnSp>
+            <p:nvCxnSpPr>
+              <p:cNvPr id="55" name="textFieldUnderline">
+                <a:extLst>
+                  <a:ext uri="{FF2B5EF4-FFF2-40B4-BE49-F238E27FC236}">
+                    <a16:creationId xmlns:a16="http://schemas.microsoft.com/office/drawing/2014/main" id="{D7D0F28F-2DF8-76BF-5EBB-BB45B8368319}"/>
+                  </a:ext>
+                </a:extLst>
+              </p:cNvPr>
+              <p:cNvCxnSpPr/>
+              <p:nvPr/>
+            </p:nvCxnSpPr>
+            <p:spPr>
+              <a:xfrm>
+                <a:off x="935292" y="5993912"/>
+                <a:ext cx="4840223" cy="0"/>
+              </a:xfrm>
+              <a:prstGeom prst="line">
+                <a:avLst/>
+              </a:prstGeom>
+              <a:ln w="19050">
+                <a:solidFill>
+                  <a:schemeClr val="tx1">
+                    <a:lumMod val="50000"/>
+                    <a:lumOff val="50000"/>
+                  </a:schemeClr>
+                </a:solidFill>
+              </a:ln>
+            </p:spPr>
+            <p:style>
+              <a:lnRef idx="1">
+                <a:schemeClr val="accent1"/>
+              </a:lnRef>
+              <a:fillRef idx="0">
+                <a:schemeClr val="accent1"/>
+              </a:fillRef>
+              <a:effectRef idx="0">
+                <a:schemeClr val="accent1"/>
+              </a:effectRef>
+              <a:fontRef idx="minor">
+                <a:schemeClr val="tx1"/>
+              </a:fontRef>
+            </p:style>
+          </p:cxnSp>
+        </p:grpSp>
+        <p:grpSp>
+          <p:nvGrpSpPr>
+            <p:cNvPr id="50" name="TextFieldStyle2">
+              <a:extLst>
+                <a:ext uri="{FF2B5EF4-FFF2-40B4-BE49-F238E27FC236}">
+                  <a16:creationId xmlns:a16="http://schemas.microsoft.com/office/drawing/2014/main" id="{AE2CAD36-6077-6C31-1705-92C0EBBA927F}"/>
+                </a:ext>
+              </a:extLst>
+            </p:cNvPr>
+            <p:cNvGrpSpPr/>
+            <p:nvPr/>
+          </p:nvGrpSpPr>
+          <p:grpSpPr>
+            <a:xfrm>
+              <a:off x="935292" y="5266839"/>
+              <a:ext cx="4840223" cy="712466"/>
+              <a:chOff x="935292" y="5266839"/>
+              <a:chExt cx="4840223" cy="712466"/>
+            </a:xfrm>
+          </p:grpSpPr>
+          <p:sp>
+            <p:nvSpPr>
+              <p:cNvPr id="52" name="border">
+                <a:extLst>
+                  <a:ext uri="{FF2B5EF4-FFF2-40B4-BE49-F238E27FC236}">
+                    <a16:creationId xmlns:a16="http://schemas.microsoft.com/office/drawing/2014/main" id="{0E435797-96EE-01A8-013E-C3C8EFC8C8A1}"/>
+                  </a:ext>
+                </a:extLst>
+              </p:cNvPr>
+              <p:cNvSpPr/>
+              <p:nvPr/>
+            </p:nvSpPr>
+            <p:spPr>
+              <a:xfrm>
+                <a:off x="935292" y="5469094"/>
+                <a:ext cx="4840223" cy="510211"/>
+              </a:xfrm>
+              <a:prstGeom prst="roundRect">
+                <a:avLst>
+                  <a:gd name="adj" fmla="val 32926"/>
+                </a:avLst>
+              </a:prstGeom>
+              <a:noFill/>
+              <a:ln>
+                <a:solidFill>
+                  <a:schemeClr val="tx1">
+                    <a:lumMod val="50000"/>
+                    <a:lumOff val="50000"/>
+                  </a:schemeClr>
+                </a:solidFill>
+              </a:ln>
+            </p:spPr>
+            <p:style>
+              <a:lnRef idx="2">
+                <a:schemeClr val="accent1">
+                  <a:shade val="50000"/>
+                </a:schemeClr>
+              </a:lnRef>
+              <a:fillRef idx="1">
+                <a:schemeClr val="accent1"/>
+              </a:fillRef>
+              <a:effectRef idx="0">
+                <a:schemeClr val="accent1"/>
+              </a:effectRef>
+              <a:fontRef idx="minor">
+                <a:schemeClr val="lt1"/>
+              </a:fontRef>
+            </p:style>
+            <p:txBody>
+              <a:bodyPr rtlCol="0" anchor="ctr"/>
+              <a:lstStyle/>
+              <a:p>
+                <a:pPr algn="ctr"/>
+                <a:endParaRPr lang="fr-FR"/>
+              </a:p>
+            </p:txBody>
+          </p:sp>
+          <p:sp>
+            <p:nvSpPr>
+              <p:cNvPr id="53" name="textFieldHint2">
+                <a:extLst>
+                  <a:ext uri="{FF2B5EF4-FFF2-40B4-BE49-F238E27FC236}">
+                    <a16:creationId xmlns:a16="http://schemas.microsoft.com/office/drawing/2014/main" id="{C4D0F3F1-BC84-430D-E10D-8A22716C6EB7}"/>
+                  </a:ext>
+                </a:extLst>
+              </p:cNvPr>
+              <p:cNvSpPr txBox="1"/>
+              <p:nvPr/>
+            </p:nvSpPr>
+            <p:spPr>
+              <a:xfrm>
+                <a:off x="1140660" y="5266839"/>
+                <a:ext cx="608196" cy="338554"/>
+              </a:xfrm>
+              <a:prstGeom prst="rect">
+                <a:avLst/>
+              </a:prstGeom>
+              <a:solidFill>
+                <a:schemeClr val="bg1"/>
+              </a:solidFill>
+            </p:spPr>
+            <p:txBody>
+              <a:bodyPr wrap="square" rtlCol="0">
+                <a:spAutoFit/>
+              </a:bodyPr>
+              <a:lstStyle/>
+              <a:p>
+                <a:r>
+                  <a:rPr lang="fr-FR" sz="1600" dirty="0">
+                    <a:solidFill>
+                      <a:schemeClr val="tx1">
+                        <a:lumMod val="50000"/>
+                        <a:lumOff val="50000"/>
+                      </a:schemeClr>
+                    </a:solidFill>
+                  </a:rPr>
+                  <a:t>Nom</a:t>
+                </a:r>
+                <a:endParaRPr lang="fr-FR" dirty="0">
+                  <a:solidFill>
+                    <a:schemeClr val="tx1">
+                      <a:lumMod val="50000"/>
+                      <a:lumOff val="50000"/>
+                    </a:schemeClr>
+                  </a:solidFill>
+                </a:endParaRPr>
+              </a:p>
+            </p:txBody>
+          </p:sp>
+        </p:grpSp>
+        <p:sp>
+          <p:nvSpPr>
+            <p:cNvPr id="51" name="textFieldText">
+              <a:extLst>
+                <a:ext uri="{FF2B5EF4-FFF2-40B4-BE49-F238E27FC236}">
+                  <a16:creationId xmlns:a16="http://schemas.microsoft.com/office/drawing/2014/main" id="{4E2BE39E-7FE2-3B08-06E7-C21AEE190425}"/>
+                </a:ext>
+              </a:extLst>
+            </p:cNvPr>
+            <p:cNvSpPr txBox="1"/>
+            <p:nvPr/>
+          </p:nvSpPr>
+          <p:spPr>
+            <a:xfrm>
+              <a:off x="935292" y="5488731"/>
+              <a:ext cx="4819532" cy="461665"/>
+            </a:xfrm>
+            <a:prstGeom prst="rect">
+              <a:avLst/>
+            </a:prstGeom>
+            <a:noFill/>
+          </p:spPr>
+          <p:txBody>
+            <a:bodyPr wrap="square" rtlCol="0">
+              <a:spAutoFit/>
+            </a:bodyPr>
+            <a:lstStyle/>
+            <a:p>
+              <a:r>
+                <a:rPr lang="fr-FR" sz="2400" dirty="0"/>
+                <a:t>FST - IECL</a:t>
+              </a:r>
+            </a:p>
+          </p:txBody>
+        </p:sp>
+      </p:grpSp>
+      <p:grpSp>
+        <p:nvGrpSpPr>
+          <p:cNvPr id="64" name="Groupe 63">
+            <a:extLst>
+              <a:ext uri="{FF2B5EF4-FFF2-40B4-BE49-F238E27FC236}">
+                <a16:creationId xmlns:a16="http://schemas.microsoft.com/office/drawing/2014/main" id="{F15A87C7-23F7-7CA2-CCC6-9D1905F2F108}"/>
+              </a:ext>
+            </a:extLst>
+          </p:cNvPr>
+          <p:cNvGrpSpPr/>
+          <p:nvPr/>
+        </p:nvGrpSpPr>
+        <p:grpSpPr>
+          <a:xfrm>
+            <a:off x="988194" y="6402459"/>
+            <a:ext cx="4840223" cy="1890641"/>
+            <a:chOff x="988194" y="6402459"/>
+            <a:chExt cx="4840223" cy="1890641"/>
+          </a:xfrm>
+        </p:grpSpPr>
+        <p:sp>
+          <p:nvSpPr>
+            <p:cNvPr id="60" name="border">
+              <a:extLst>
+                <a:ext uri="{FF2B5EF4-FFF2-40B4-BE49-F238E27FC236}">
+                  <a16:creationId xmlns:a16="http://schemas.microsoft.com/office/drawing/2014/main" id="{520C71D7-E9A0-CF9F-C9FE-BFE1BF5C8F90}"/>
+                </a:ext>
+              </a:extLst>
+            </p:cNvPr>
+            <p:cNvSpPr/>
+            <p:nvPr/>
+          </p:nvSpPr>
+          <p:spPr>
+            <a:xfrm>
+              <a:off x="988194" y="6604714"/>
+              <a:ext cx="4840223" cy="1688386"/>
+            </a:xfrm>
+            <a:prstGeom prst="roundRect">
+              <a:avLst>
+                <a:gd name="adj" fmla="val 10360"/>
+              </a:avLst>
+            </a:prstGeom>
+            <a:noFill/>
+            <a:ln>
+              <a:solidFill>
+                <a:schemeClr val="tx1">
+                  <a:lumMod val="50000"/>
+                  <a:lumOff val="50000"/>
+                </a:schemeClr>
+              </a:solidFill>
+            </a:ln>
+          </p:spPr>
+          <p:style>
+            <a:lnRef idx="2">
+              <a:schemeClr val="accent1">
+                <a:shade val="50000"/>
+              </a:schemeClr>
+            </a:lnRef>
+            <a:fillRef idx="1">
+              <a:schemeClr val="accent1"/>
+            </a:fillRef>
+            <a:effectRef idx="0">
+              <a:schemeClr val="accent1"/>
+            </a:effectRef>
+            <a:fontRef idx="minor">
+              <a:schemeClr val="lt1"/>
+            </a:fontRef>
+          </p:style>
+          <p:txBody>
+            <a:bodyPr rtlCol="0" anchor="ctr"/>
+            <a:lstStyle/>
+            <a:p>
+              <a:pPr algn="ctr"/>
+              <a:endParaRPr lang="fr-FR"/>
+            </a:p>
+          </p:txBody>
+        </p:sp>
+        <p:sp>
+          <p:nvSpPr>
+            <p:cNvPr id="61" name="textFieldHint2">
+              <a:extLst>
+                <a:ext uri="{FF2B5EF4-FFF2-40B4-BE49-F238E27FC236}">
+                  <a16:creationId xmlns:a16="http://schemas.microsoft.com/office/drawing/2014/main" id="{339F2051-CBEE-C86A-A9C8-027BFED8E8F5}"/>
+                </a:ext>
+              </a:extLst>
+            </p:cNvPr>
+            <p:cNvSpPr txBox="1"/>
+            <p:nvPr/>
+          </p:nvSpPr>
+          <p:spPr>
+            <a:xfrm>
+              <a:off x="1193562" y="6402459"/>
+              <a:ext cx="1168638" cy="338554"/>
+            </a:xfrm>
+            <a:prstGeom prst="rect">
+              <a:avLst/>
+            </a:prstGeom>
+            <a:solidFill>
+              <a:schemeClr val="bg1"/>
+            </a:solidFill>
+          </p:spPr>
+          <p:txBody>
+            <a:bodyPr wrap="square" rtlCol="0">
+              <a:spAutoFit/>
+            </a:bodyPr>
+            <a:lstStyle/>
+            <a:p>
+              <a:r>
+                <a:rPr lang="fr-FR" sz="1600" dirty="0">
+                  <a:solidFill>
+                    <a:schemeClr val="tx1">
+                      <a:lumMod val="50000"/>
+                      <a:lumOff val="50000"/>
+                    </a:schemeClr>
+                  </a:solidFill>
+                </a:rPr>
+                <a:t>Description</a:t>
+              </a:r>
+              <a:endParaRPr lang="fr-FR" dirty="0">
+                <a:solidFill>
+                  <a:schemeClr val="tx1">
+                    <a:lumMod val="50000"/>
+                    <a:lumOff val="50000"/>
+                  </a:schemeClr>
+                </a:solidFill>
+              </a:endParaRPr>
+            </a:p>
+          </p:txBody>
+        </p:sp>
+        <p:sp>
+          <p:nvSpPr>
+            <p:cNvPr id="59" name="textFieldText">
+              <a:extLst>
+                <a:ext uri="{FF2B5EF4-FFF2-40B4-BE49-F238E27FC236}">
+                  <a16:creationId xmlns:a16="http://schemas.microsoft.com/office/drawing/2014/main" id="{B7D3B564-AAEE-9D29-CA33-04FBF14C137C}"/>
+                </a:ext>
+              </a:extLst>
+            </p:cNvPr>
+            <p:cNvSpPr txBox="1"/>
+            <p:nvPr/>
+          </p:nvSpPr>
+          <p:spPr>
+            <a:xfrm>
+              <a:off x="988194" y="6624351"/>
+              <a:ext cx="4819532" cy="1200329"/>
+            </a:xfrm>
+            <a:prstGeom prst="rect">
+              <a:avLst/>
+            </a:prstGeom>
+            <a:noFill/>
+          </p:spPr>
+          <p:txBody>
+            <a:bodyPr wrap="square" rtlCol="0">
+              <a:spAutoFit/>
+            </a:bodyPr>
+            <a:lstStyle/>
+            <a:p>
+              <a:r>
+                <a:rPr lang="en-US" sz="2400" dirty="0"/>
+                <a:t>Lorem ipsum dolor sit </a:t>
+              </a:r>
+              <a:r>
+                <a:rPr lang="en-US" sz="2400" dirty="0" err="1"/>
+                <a:t>amet</a:t>
+              </a:r>
+              <a:r>
+                <a:rPr lang="en-US" sz="2400" dirty="0"/>
+                <a:t>, </a:t>
+              </a:r>
+              <a:r>
+                <a:rPr lang="en-US" sz="2400" dirty="0" err="1"/>
+                <a:t>consectetur</a:t>
+              </a:r>
+              <a:r>
+                <a:rPr lang="en-US" sz="2400" dirty="0"/>
+                <a:t> </a:t>
+              </a:r>
+              <a:r>
+                <a:rPr lang="en-US" sz="2400" dirty="0" err="1"/>
+                <a:t>adipiscing</a:t>
+              </a:r>
+              <a:r>
+                <a:rPr lang="en-US" sz="2400" dirty="0"/>
+                <a:t> </a:t>
+              </a:r>
+              <a:r>
+                <a:rPr lang="en-US" sz="2400" dirty="0" err="1"/>
+                <a:t>elit</a:t>
+              </a:r>
+              <a:r>
+                <a:rPr lang="en-US" sz="2400" dirty="0"/>
+                <a:t>. In lacinia </a:t>
+              </a:r>
+              <a:r>
+                <a:rPr lang="en-US" sz="2400" dirty="0" err="1"/>
+                <a:t>mattis</a:t>
+              </a:r>
+              <a:r>
+                <a:rPr lang="en-US" sz="2400" dirty="0"/>
+                <a:t> </a:t>
+              </a:r>
+              <a:r>
+                <a:rPr lang="en-US" sz="2400" dirty="0" err="1"/>
+                <a:t>elit</a:t>
+              </a:r>
+              <a:r>
+                <a:rPr lang="en-US" sz="2400" dirty="0"/>
+                <a:t>, a </a:t>
+              </a:r>
+              <a:r>
+                <a:rPr lang="en-US" sz="2400" dirty="0" err="1"/>
+                <a:t>euismod</a:t>
+              </a:r>
+              <a:r>
+                <a:rPr lang="en-US" sz="2400" dirty="0"/>
+                <a:t> eros.</a:t>
+              </a:r>
+              <a:endParaRPr lang="fr-FR" sz="2400" dirty="0"/>
+            </a:p>
+          </p:txBody>
+        </p:sp>
+      </p:grpSp>
+    </p:spTree>
+    <p:extLst>
+      <p:ext uri="{BB962C8B-B14F-4D97-AF65-F5344CB8AC3E}">
+        <p14:creationId xmlns:p14="http://schemas.microsoft.com/office/powerpoint/2010/main" val="4248729116"/>
+      </p:ext>
+    </p:extLst>
+  </p:cSld>
+  <p:clrMapOvr>
+    <a:masterClrMapping/>
+  </p:clrMapOvr>
+</p:sld>
+</file>
+
+<file path=ppt/slides/slide4.xml><?xml version="1.0" encoding="utf-8"?>
 <p:sld xmlns:a="http://schemas.openxmlformats.org/drawingml/2006/main" xmlns:r="http://schemas.openxmlformats.org/officeDocument/2006/relationships" xmlns:p="http://schemas.openxmlformats.org/presentationml/2006/main">
   <p:cSld>
     <p:spTree>
@@ -8323,7 +10413,7 @@
 </p:sld>
 </file>
 
-<file path=ppt/slides/slide4.xml><?xml version="1.0" encoding="utf-8"?>
+<file path=ppt/slides/slide5.xml><?xml version="1.0" encoding="utf-8"?>
 <p:sld xmlns:a="http://schemas.openxmlformats.org/drawingml/2006/main" xmlns:r="http://schemas.openxmlformats.org/officeDocument/2006/relationships" xmlns:p="http://schemas.openxmlformats.org/presentationml/2006/main">
   <p:cSld>
     <p:spTree>
@@ -9152,7 +11242,7 @@
 </p:sld>
 </file>
 
-<file path=ppt/slides/slide5.xml><?xml version="1.0" encoding="utf-8"?>
+<file path=ppt/slides/slide6.xml><?xml version="1.0" encoding="utf-8"?>
 <p:sld xmlns:a="http://schemas.openxmlformats.org/drawingml/2006/main" xmlns:r="http://schemas.openxmlformats.org/officeDocument/2006/relationships" xmlns:p="http://schemas.openxmlformats.org/presentationml/2006/main">
   <p:cSld>
     <p:spTree>
@@ -9924,7 +12014,7 @@
 </p:sld>
 </file>
 
-<file path=ppt/slides/slide6.xml><?xml version="1.0" encoding="utf-8"?>
+<file path=ppt/slides/slide7.xml><?xml version="1.0" encoding="utf-8"?>
 <p:sld xmlns:a="http://schemas.openxmlformats.org/drawingml/2006/main" xmlns:r="http://schemas.openxmlformats.org/officeDocument/2006/relationships" xmlns:p="http://schemas.openxmlformats.org/presentationml/2006/main">
   <p:cSld>
     <p:spTree>
@@ -10637,7 +12727,7 @@
 </p:sld>
 </file>
 
-<file path=ppt/slides/slide7.xml><?xml version="1.0" encoding="utf-8"?>
+<file path=ppt/slides/slide8.xml><?xml version="1.0" encoding="utf-8"?>
 <p:sld xmlns:a="http://schemas.openxmlformats.org/drawingml/2006/main" xmlns:r="http://schemas.openxmlformats.org/officeDocument/2006/relationships" xmlns:p="http://schemas.openxmlformats.org/presentationml/2006/main">
   <p:cSld>
     <p:spTree>
@@ -10905,6 +12995,7 @@
       <p:sp>
         <p:nvSpPr>
           <p:cNvPr id="8" name="FloatingButton">
+            <a:hlinkClick r:id="rId7" action="ppaction://hlinksldjump"/>
             <a:extLst>
               <a:ext uri="{FF2B5EF4-FFF2-40B4-BE49-F238E27FC236}">
                 <a16:creationId xmlns:a16="http://schemas.microsoft.com/office/drawing/2014/main" id="{C04B433B-E390-339E-8DC9-5077FA3FBBD8}"/>
@@ -11149,13 +13240,13 @@
           <p:nvPr/>
         </p:nvPicPr>
         <p:blipFill>
-          <a:blip r:embed="rId7">
+          <a:blip r:embed="rId8">
             <a:extLst>
               <a:ext uri="{28A0092B-C50C-407E-A947-70E740481C1C}">
                 <a14:useLocalDpi xmlns:a14="http://schemas.microsoft.com/office/drawing/2010/main" val="0"/>
               </a:ext>
               <a:ext uri="{96DAC541-7B7A-43D3-8B79-37D633B846F1}">
-                <asvg:svgBlip xmlns:asvg="http://schemas.microsoft.com/office/drawing/2016/SVG/main" r:embed="rId8"/>
+                <asvg:svgBlip xmlns:asvg="http://schemas.microsoft.com/office/drawing/2016/SVG/main" r:embed="rId9"/>
               </a:ext>
             </a:extLst>
           </a:blip>
@@ -11311,13 +13402,13 @@
             <p:nvPr/>
           </p:nvPicPr>
           <p:blipFill>
-            <a:blip r:embed="rId9">
+            <a:blip r:embed="rId10">
               <a:extLst>
                 <a:ext uri="{28A0092B-C50C-407E-A947-70E740481C1C}">
                   <a14:useLocalDpi xmlns:a14="http://schemas.microsoft.com/office/drawing/2010/main" val="0"/>
                 </a:ext>
                 <a:ext uri="{96DAC541-7B7A-43D3-8B79-37D633B846F1}">
-                  <asvg:svgBlip xmlns:asvg="http://schemas.microsoft.com/office/drawing/2016/SVG/main" r:embed="rId10"/>
+                  <asvg:svgBlip xmlns:asvg="http://schemas.microsoft.com/office/drawing/2016/SVG/main" r:embed="rId11"/>
                 </a:ext>
               </a:extLst>
             </a:blip>
@@ -11339,7 +13430,7 @@
       <p:sp>
         <p:nvSpPr>
           <p:cNvPr id="13" name="Rectangle 12">
-            <a:hlinkClick r:id="rId11" action="ppaction://hlinksldjump"/>
+            <a:hlinkClick r:id="rId12" action="ppaction://hlinksldjump"/>
             <a:extLst>
               <a:ext uri="{FF2B5EF4-FFF2-40B4-BE49-F238E27FC236}">
                 <a16:creationId xmlns:a16="http://schemas.microsoft.com/office/drawing/2014/main" id="{138B224A-9F29-1E5C-455D-A9BCBCB269AD}"/>
@@ -11408,7 +13499,7 @@
 </p:sld>
 </file>
 
-<file path=ppt/slides/slide8.xml><?xml version="1.0" encoding="utf-8"?>
+<file path=ppt/slides/slide9.xml><?xml version="1.0" encoding="utf-8"?>
 <p:sld xmlns:a="http://schemas.openxmlformats.org/drawingml/2006/main" xmlns:r="http://schemas.openxmlformats.org/officeDocument/2006/relationships" xmlns:p="http://schemas.openxmlformats.org/presentationml/2006/main">
   <p:cSld>
     <p:spTree>
@@ -12228,777 +14319,6 @@
     <p:extLst>
       <p:ext uri="{BB962C8B-B14F-4D97-AF65-F5344CB8AC3E}">
         <p14:creationId xmlns:p14="http://schemas.microsoft.com/office/powerpoint/2010/main" val="958442031"/>
-      </p:ext>
-    </p:extLst>
-  </p:cSld>
-  <p:clrMapOvr>
-    <a:masterClrMapping/>
-  </p:clrMapOvr>
-</p:sld>
-</file>
-
-<file path=ppt/slides/slide9.xml><?xml version="1.0" encoding="utf-8"?>
-<p:sld xmlns:a="http://schemas.openxmlformats.org/drawingml/2006/main" xmlns:r="http://schemas.openxmlformats.org/officeDocument/2006/relationships" xmlns:p="http://schemas.openxmlformats.org/presentationml/2006/main">
-  <p:cSld>
-    <p:spTree>
-      <p:nvGrpSpPr>
-        <p:cNvPr id="1" name=""/>
-        <p:cNvGrpSpPr/>
-        <p:nvPr/>
-      </p:nvGrpSpPr>
-      <p:grpSpPr>
-        <a:xfrm>
-          <a:off x="0" y="0"/>
-          <a:ext cx="0" cy="0"/>
-          <a:chOff x="0" y="0"/>
-          <a:chExt cx="0" cy="0"/>
-        </a:xfrm>
-      </p:grpSpPr>
-      <p:grpSp>
-        <p:nvGrpSpPr>
-          <p:cNvPr id="2" name="AppBar">
-            <a:extLst>
-              <a:ext uri="{FF2B5EF4-FFF2-40B4-BE49-F238E27FC236}">
-                <a16:creationId xmlns:a16="http://schemas.microsoft.com/office/drawing/2014/main" id="{FCCF0B7A-7BFA-A819-FBF5-3557D55CA7E1}"/>
-              </a:ext>
-            </a:extLst>
-          </p:cNvPr>
-          <p:cNvGrpSpPr/>
-          <p:nvPr/>
-        </p:nvGrpSpPr>
-        <p:grpSpPr>
-          <a:xfrm>
-            <a:off x="531101" y="262759"/>
-            <a:ext cx="5795798" cy="1322694"/>
-            <a:chOff x="531101" y="262759"/>
-            <a:chExt cx="5795798" cy="1322694"/>
-          </a:xfrm>
-        </p:grpSpPr>
-        <p:sp>
-          <p:nvSpPr>
-            <p:cNvPr id="3" name="appbar_background">
-              <a:extLst>
-                <a:ext uri="{FF2B5EF4-FFF2-40B4-BE49-F238E27FC236}">
-                  <a16:creationId xmlns:a16="http://schemas.microsoft.com/office/drawing/2014/main" id="{074CA485-6443-7CEC-E259-702809BFDFEA}"/>
-                </a:ext>
-              </a:extLst>
-            </p:cNvPr>
-            <p:cNvSpPr/>
-            <p:nvPr/>
-          </p:nvSpPr>
-          <p:spPr>
-            <a:xfrm>
-              <a:off x="531101" y="262759"/>
-              <a:ext cx="5795798" cy="1322694"/>
-            </a:xfrm>
-            <a:prstGeom prst="round2SameRect">
-              <a:avLst>
-                <a:gd name="adj1" fmla="val 34546"/>
-                <a:gd name="adj2" fmla="val 0"/>
-              </a:avLst>
-            </a:prstGeom>
-            <a:solidFill>
-              <a:schemeClr val="accent5"/>
-            </a:solidFill>
-            <a:ln>
-              <a:noFill/>
-            </a:ln>
-          </p:spPr>
-          <p:style>
-            <a:lnRef idx="2">
-              <a:schemeClr val="accent1">
-                <a:shade val="50000"/>
-              </a:schemeClr>
-            </a:lnRef>
-            <a:fillRef idx="1">
-              <a:schemeClr val="accent1"/>
-            </a:fillRef>
-            <a:effectRef idx="0">
-              <a:schemeClr val="accent1"/>
-            </a:effectRef>
-            <a:fontRef idx="minor">
-              <a:schemeClr val="lt1"/>
-            </a:fontRef>
-          </p:style>
-          <p:txBody>
-            <a:bodyPr rtlCol="0" anchor="ctr"/>
-            <a:lstStyle/>
-            <a:p>
-              <a:pPr algn="ctr"/>
-              <a:endParaRPr lang="fr-FR"/>
-            </a:p>
-          </p:txBody>
-        </p:sp>
-        <p:sp>
-          <p:nvSpPr>
-            <p:cNvPr id="4" name="appbar_title">
-              <a:extLst>
-                <a:ext uri="{FF2B5EF4-FFF2-40B4-BE49-F238E27FC236}">
-                  <a16:creationId xmlns:a16="http://schemas.microsoft.com/office/drawing/2014/main" id="{4ED88C02-0662-AD65-5452-19B127D0A554}"/>
-                </a:ext>
-              </a:extLst>
-            </p:cNvPr>
-            <p:cNvSpPr txBox="1"/>
-            <p:nvPr/>
-          </p:nvSpPr>
-          <p:spPr>
-            <a:xfrm>
-              <a:off x="1348301" y="787127"/>
-              <a:ext cx="4264223" cy="584775"/>
-            </a:xfrm>
-            <a:prstGeom prst="rect">
-              <a:avLst/>
-            </a:prstGeom>
-            <a:noFill/>
-          </p:spPr>
-          <p:txBody>
-            <a:bodyPr wrap="square" rtlCol="0">
-              <a:spAutoFit/>
-            </a:bodyPr>
-            <a:lstStyle/>
-            <a:p>
-              <a:pPr algn="ctr"/>
-              <a:r>
-                <a:rPr lang="fr-FR" sz="3200" dirty="0">
-                  <a:solidFill>
-                    <a:schemeClr val="bg1"/>
-                  </a:solidFill>
-                </a:rPr>
-                <a:t>Couloir (2/2)</a:t>
-              </a:r>
-            </a:p>
-          </p:txBody>
-        </p:sp>
-        <p:pic>
-          <p:nvPicPr>
-            <p:cNvPr id="5" name="appbar_action" descr="Carte avec repère avec un remplissage uni">
-              <a:extLst>
-                <a:ext uri="{FF2B5EF4-FFF2-40B4-BE49-F238E27FC236}">
-                  <a16:creationId xmlns:a16="http://schemas.microsoft.com/office/drawing/2014/main" id="{47242492-84B0-ABC5-F163-B0D1C2173C5F}"/>
-                </a:ext>
-              </a:extLst>
-            </p:cNvPr>
-            <p:cNvPicPr>
-              <a:picLocks noChangeAspect="1"/>
-            </p:cNvPicPr>
-            <p:nvPr/>
-          </p:nvPicPr>
-          <p:blipFill>
-            <a:blip r:embed="rId2">
-              <a:extLst>
-                <a:ext uri="{28A0092B-C50C-407E-A947-70E740481C1C}">
-                  <a14:useLocalDpi xmlns:a14="http://schemas.microsoft.com/office/drawing/2010/main" val="0"/>
-                </a:ext>
-                <a:ext uri="{96DAC541-7B7A-43D3-8B79-37D633B846F1}">
-                  <asvg:svgBlip xmlns:asvg="http://schemas.microsoft.com/office/drawing/2016/SVG/main" r:embed="rId3"/>
-                </a:ext>
-              </a:extLst>
-            </a:blip>
-            <a:srcRect/>
-            <a:stretch/>
-          </p:blipFill>
-          <p:spPr>
-            <a:xfrm>
-              <a:off x="5333958" y="719514"/>
-              <a:ext cx="648000" cy="648000"/>
-            </a:xfrm>
-            <a:prstGeom prst="rect">
-              <a:avLst/>
-            </a:prstGeom>
-          </p:spPr>
-        </p:pic>
-        <p:pic>
-          <p:nvPicPr>
-            <p:cNvPr id="6" name="retour" descr="Point d’insertion vers la gauche avec un remplissage uni">
-              <a:hlinkClick r:id="rId4" action="ppaction://hlinksldjump"/>
-              <a:extLst>
-                <a:ext uri="{FF2B5EF4-FFF2-40B4-BE49-F238E27FC236}">
-                  <a16:creationId xmlns:a16="http://schemas.microsoft.com/office/drawing/2014/main" id="{042DBBC8-7844-D6FB-B37F-C26638708EDD}"/>
-                </a:ext>
-              </a:extLst>
-            </p:cNvPr>
-            <p:cNvPicPr>
-              <a:picLocks noChangeAspect="1"/>
-            </p:cNvPicPr>
-            <p:nvPr/>
-          </p:nvPicPr>
-          <p:blipFill>
-            <a:blip r:embed="rId5">
-              <a:extLst>
-                <a:ext uri="{28A0092B-C50C-407E-A947-70E740481C1C}">
-                  <a14:useLocalDpi xmlns:a14="http://schemas.microsoft.com/office/drawing/2010/main" val="0"/>
-                </a:ext>
-                <a:ext uri="{96DAC541-7B7A-43D3-8B79-37D633B846F1}">
-                  <asvg:svgBlip xmlns:asvg="http://schemas.microsoft.com/office/drawing/2016/SVG/main" r:embed="rId6"/>
-                </a:ext>
-              </a:extLst>
-            </a:blip>
-            <a:stretch>
-              <a:fillRect/>
-            </a:stretch>
-          </p:blipFill>
-          <p:spPr>
-            <a:xfrm>
-              <a:off x="628301" y="719514"/>
-              <a:ext cx="720000" cy="720000"/>
-            </a:xfrm>
-            <a:prstGeom prst="rect">
-              <a:avLst/>
-            </a:prstGeom>
-          </p:spPr>
-        </p:pic>
-      </p:grpSp>
-      <p:sp>
-        <p:nvSpPr>
-          <p:cNvPr id="7" name="tel">
-            <a:extLst>
-              <a:ext uri="{FF2B5EF4-FFF2-40B4-BE49-F238E27FC236}">
-                <a16:creationId xmlns:a16="http://schemas.microsoft.com/office/drawing/2014/main" id="{D2B6D532-34A9-9B73-CEE7-9035C0D06C70}"/>
-              </a:ext>
-            </a:extLst>
-          </p:cNvPr>
-          <p:cNvSpPr/>
-          <p:nvPr/>
-        </p:nvSpPr>
-        <p:spPr>
-          <a:xfrm>
-            <a:off x="531101" y="262759"/>
-            <a:ext cx="5795798" cy="11666483"/>
-          </a:xfrm>
-          <a:prstGeom prst="roundRect">
-            <a:avLst>
-              <a:gd name="adj" fmla="val 6874"/>
-            </a:avLst>
-          </a:prstGeom>
-          <a:noFill/>
-          <a:ln w="203200">
-            <a:solidFill>
-              <a:schemeClr val="tx1"/>
-            </a:solidFill>
-          </a:ln>
-        </p:spPr>
-        <p:style>
-          <a:lnRef idx="2">
-            <a:schemeClr val="accent1">
-              <a:shade val="50000"/>
-            </a:schemeClr>
-          </a:lnRef>
-          <a:fillRef idx="1">
-            <a:schemeClr val="accent1"/>
-          </a:fillRef>
-          <a:effectRef idx="0">
-            <a:schemeClr val="accent1"/>
-          </a:effectRef>
-          <a:fontRef idx="minor">
-            <a:schemeClr val="lt1"/>
-          </a:fontRef>
-        </p:style>
-        <p:txBody>
-          <a:bodyPr rtlCol="0" anchor="ctr"/>
-          <a:lstStyle/>
-          <a:p>
-            <a:pPr algn="ctr"/>
-            <a:endParaRPr lang="fr-FR"/>
-          </a:p>
-        </p:txBody>
-      </p:sp>
-      <p:sp>
-        <p:nvSpPr>
-          <p:cNvPr id="8" name="FloatingButton">
-            <a:hlinkClick r:id="" action="ppaction://hlinkshowjump?jump=previousslide"/>
-            <a:extLst>
-              <a:ext uri="{FF2B5EF4-FFF2-40B4-BE49-F238E27FC236}">
-                <a16:creationId xmlns:a16="http://schemas.microsoft.com/office/drawing/2014/main" id="{C04B433B-E390-339E-8DC9-5077FA3FBBD8}"/>
-              </a:ext>
-            </a:extLst>
-          </p:cNvPr>
-          <p:cNvSpPr/>
-          <p:nvPr/>
-        </p:nvSpPr>
-        <p:spPr>
-          <a:xfrm>
-            <a:off x="804041" y="10877698"/>
-            <a:ext cx="2520000" cy="759690"/>
-          </a:xfrm>
-          <a:prstGeom prst="roundRect">
-            <a:avLst>
-              <a:gd name="adj" fmla="val 50000"/>
-            </a:avLst>
-          </a:prstGeom>
-          <a:solidFill>
-            <a:schemeClr val="accent5">
-              <a:lumMod val="75000"/>
-            </a:schemeClr>
-          </a:solidFill>
-          <a:ln>
-            <a:noFill/>
-          </a:ln>
-          <a:effectLst>
-            <a:outerShdw blurRad="101600" dist="76200" dir="5400000" algn="t" rotWithShape="0">
-              <a:prstClr val="black">
-                <a:alpha val="40000"/>
-              </a:prstClr>
-            </a:outerShdw>
-          </a:effectLst>
-        </p:spPr>
-        <p:style>
-          <a:lnRef idx="2">
-            <a:schemeClr val="accent1">
-              <a:shade val="50000"/>
-            </a:schemeClr>
-          </a:lnRef>
-          <a:fillRef idx="1">
-            <a:schemeClr val="accent1"/>
-          </a:fillRef>
-          <a:effectRef idx="0">
-            <a:schemeClr val="accent1"/>
-          </a:effectRef>
-          <a:fontRef idx="minor">
-            <a:schemeClr val="lt1"/>
-          </a:fontRef>
-        </p:style>
-        <p:txBody>
-          <a:bodyPr rtlCol="0" anchor="ctr"/>
-          <a:lstStyle/>
-          <a:p>
-            <a:pPr algn="ctr"/>
-            <a:r>
-              <a:rPr lang="fr-FR" sz="2800" dirty="0"/>
-              <a:t>&lt;</a:t>
-            </a:r>
-          </a:p>
-        </p:txBody>
-      </p:sp>
-      <p:grpSp>
-        <p:nvGrpSpPr>
-          <p:cNvPr id="9" name="Image">
-            <a:extLst>
-              <a:ext uri="{FF2B5EF4-FFF2-40B4-BE49-F238E27FC236}">
-                <a16:creationId xmlns:a16="http://schemas.microsoft.com/office/drawing/2014/main" id="{C69C9262-16D3-F9B9-65CD-8B550DC39F67}"/>
-              </a:ext>
-            </a:extLst>
-          </p:cNvPr>
-          <p:cNvGrpSpPr/>
-          <p:nvPr/>
-        </p:nvGrpSpPr>
-        <p:grpSpPr>
-          <a:xfrm>
-            <a:off x="660992" y="2286000"/>
-            <a:ext cx="5536016" cy="8119240"/>
-            <a:chOff x="4314824" y="3885146"/>
-            <a:chExt cx="1440000" cy="1440000"/>
-          </a:xfrm>
-        </p:grpSpPr>
-        <p:sp>
-          <p:nvSpPr>
-            <p:cNvPr id="10" name="Rectangle 9">
-              <a:extLst>
-                <a:ext uri="{FF2B5EF4-FFF2-40B4-BE49-F238E27FC236}">
-                  <a16:creationId xmlns:a16="http://schemas.microsoft.com/office/drawing/2014/main" id="{D8394DCF-29E9-C76F-B5BE-29C7D76E9201}"/>
-                </a:ext>
-              </a:extLst>
-            </p:cNvPr>
-            <p:cNvSpPr/>
-            <p:nvPr/>
-          </p:nvSpPr>
-          <p:spPr>
-            <a:xfrm>
-              <a:off x="4314824" y="3885146"/>
-              <a:ext cx="1440000" cy="1429648"/>
-            </a:xfrm>
-            <a:prstGeom prst="rect">
-              <a:avLst/>
-            </a:prstGeom>
-            <a:solidFill>
-              <a:schemeClr val="bg1"/>
-            </a:solidFill>
-            <a:ln>
-              <a:solidFill>
-                <a:schemeClr val="tx1">
-                  <a:lumMod val="50000"/>
-                  <a:lumOff val="50000"/>
-                </a:schemeClr>
-              </a:solidFill>
-            </a:ln>
-          </p:spPr>
-          <p:style>
-            <a:lnRef idx="2">
-              <a:schemeClr val="accent1">
-                <a:shade val="50000"/>
-              </a:schemeClr>
-            </a:lnRef>
-            <a:fillRef idx="1">
-              <a:schemeClr val="accent1"/>
-            </a:fillRef>
-            <a:effectRef idx="0">
-              <a:schemeClr val="accent1"/>
-            </a:effectRef>
-            <a:fontRef idx="minor">
-              <a:schemeClr val="lt1"/>
-            </a:fontRef>
-          </p:style>
-          <p:txBody>
-            <a:bodyPr rtlCol="0" anchor="ctr"/>
-            <a:lstStyle/>
-            <a:p>
-              <a:pPr algn="ctr"/>
-              <a:endParaRPr lang="fr-FR"/>
-            </a:p>
-          </p:txBody>
-        </p:sp>
-        <p:cxnSp>
-          <p:nvCxnSpPr>
-            <p:cNvPr id="11" name="Connecteur droit 10">
-              <a:extLst>
-                <a:ext uri="{FF2B5EF4-FFF2-40B4-BE49-F238E27FC236}">
-                  <a16:creationId xmlns:a16="http://schemas.microsoft.com/office/drawing/2014/main" id="{40A9A0A9-D2C8-4B19-D7FC-0F02D783ABA2}"/>
-                </a:ext>
-              </a:extLst>
-            </p:cNvPr>
-            <p:cNvCxnSpPr/>
-            <p:nvPr/>
-          </p:nvCxnSpPr>
-          <p:spPr>
-            <a:xfrm>
-              <a:off x="4314824" y="3885146"/>
-              <a:ext cx="1440000" cy="1429648"/>
-            </a:xfrm>
-            <a:prstGeom prst="line">
-              <a:avLst/>
-            </a:prstGeom>
-            <a:ln>
-              <a:solidFill>
-                <a:schemeClr val="tx1">
-                  <a:lumMod val="50000"/>
-                  <a:lumOff val="50000"/>
-                </a:schemeClr>
-              </a:solidFill>
-            </a:ln>
-          </p:spPr>
-          <p:style>
-            <a:lnRef idx="1">
-              <a:schemeClr val="accent1"/>
-            </a:lnRef>
-            <a:fillRef idx="0">
-              <a:schemeClr val="accent1"/>
-            </a:fillRef>
-            <a:effectRef idx="0">
-              <a:schemeClr val="accent1"/>
-            </a:effectRef>
-            <a:fontRef idx="minor">
-              <a:schemeClr val="tx1"/>
-            </a:fontRef>
-          </p:style>
-        </p:cxnSp>
-        <p:cxnSp>
-          <p:nvCxnSpPr>
-            <p:cNvPr id="12" name="Connecteur droit 11">
-              <a:extLst>
-                <a:ext uri="{FF2B5EF4-FFF2-40B4-BE49-F238E27FC236}">
-                  <a16:creationId xmlns:a16="http://schemas.microsoft.com/office/drawing/2014/main" id="{2B5B3ABF-9E6B-1AF1-1B81-6EE8CB7BA3AE}"/>
-                </a:ext>
-              </a:extLst>
-            </p:cNvPr>
-            <p:cNvCxnSpPr/>
-            <p:nvPr/>
-          </p:nvCxnSpPr>
-          <p:spPr>
-            <a:xfrm flipH="1">
-              <a:off x="4314824" y="3885146"/>
-              <a:ext cx="1440000" cy="1440000"/>
-            </a:xfrm>
-            <a:prstGeom prst="line">
-              <a:avLst/>
-            </a:prstGeom>
-            <a:ln>
-              <a:solidFill>
-                <a:schemeClr val="tx1">
-                  <a:lumMod val="50000"/>
-                  <a:lumOff val="50000"/>
-                </a:schemeClr>
-              </a:solidFill>
-            </a:ln>
-          </p:spPr>
-          <p:style>
-            <a:lnRef idx="1">
-              <a:schemeClr val="accent1"/>
-            </a:lnRef>
-            <a:fillRef idx="0">
-              <a:schemeClr val="accent1"/>
-            </a:fillRef>
-            <a:effectRef idx="0">
-              <a:schemeClr val="accent1"/>
-            </a:effectRef>
-            <a:fontRef idx="minor">
-              <a:schemeClr val="tx1"/>
-            </a:fontRef>
-          </p:style>
-        </p:cxnSp>
-      </p:grpSp>
-      <p:pic>
-        <p:nvPicPr>
-          <p:cNvPr id="17" name="boussole" descr="Cercle avec flèche gauche avec un remplissage uni">
-            <a:extLst>
-              <a:ext uri="{FF2B5EF4-FFF2-40B4-BE49-F238E27FC236}">
-                <a16:creationId xmlns:a16="http://schemas.microsoft.com/office/drawing/2014/main" id="{74AA9C7F-C8F6-E754-5F98-FDBA897B7BD2}"/>
-              </a:ext>
-            </a:extLst>
-          </p:cNvPr>
-          <p:cNvPicPr>
-            <a:picLocks noChangeAspect="1"/>
-          </p:cNvPicPr>
-          <p:nvPr/>
-        </p:nvPicPr>
-        <p:blipFill>
-          <a:blip r:embed="rId7">
-            <a:extLst>
-              <a:ext uri="{28A0092B-C50C-407E-A947-70E740481C1C}">
-                <a14:useLocalDpi xmlns:a14="http://schemas.microsoft.com/office/drawing/2010/main" val="0"/>
-              </a:ext>
-              <a:ext uri="{96DAC541-7B7A-43D3-8B79-37D633B846F1}">
-                <asvg:svgBlip xmlns:asvg="http://schemas.microsoft.com/office/drawing/2016/SVG/main" r:embed="rId8"/>
-              </a:ext>
-            </a:extLst>
-          </a:blip>
-          <a:stretch>
-            <a:fillRect/>
-          </a:stretch>
-        </p:blipFill>
-        <p:spPr>
-          <a:xfrm rot="16200000">
-            <a:off x="628301" y="1603882"/>
-            <a:ext cx="720000" cy="720000"/>
-          </a:xfrm>
-          <a:prstGeom prst="rect">
-            <a:avLst/>
-          </a:prstGeom>
-        </p:spPr>
-      </p:pic>
-      <p:sp>
-        <p:nvSpPr>
-          <p:cNvPr id="18" name="FloatingButton">
-            <a:hlinkClick r:id="" action="ppaction://hlinkshowjump?jump=nextslide"/>
-            <a:extLst>
-              <a:ext uri="{FF2B5EF4-FFF2-40B4-BE49-F238E27FC236}">
-                <a16:creationId xmlns:a16="http://schemas.microsoft.com/office/drawing/2014/main" id="{7B7EE710-270E-FD2D-1A9D-5693869E63EB}"/>
-              </a:ext>
-            </a:extLst>
-          </p:cNvPr>
-          <p:cNvSpPr/>
-          <p:nvPr/>
-        </p:nvSpPr>
-        <p:spPr>
-          <a:xfrm>
-            <a:off x="3533958" y="10896483"/>
-            <a:ext cx="2520000" cy="759690"/>
-          </a:xfrm>
-          <a:prstGeom prst="roundRect">
-            <a:avLst>
-              <a:gd name="adj" fmla="val 50000"/>
-            </a:avLst>
-          </a:prstGeom>
-          <a:solidFill>
-            <a:schemeClr val="accent5">
-              <a:lumMod val="75000"/>
-            </a:schemeClr>
-          </a:solidFill>
-          <a:ln>
-            <a:noFill/>
-          </a:ln>
-          <a:effectLst>
-            <a:outerShdw blurRad="101600" dist="76200" dir="5400000" algn="t" rotWithShape="0">
-              <a:prstClr val="black">
-                <a:alpha val="40000"/>
-              </a:prstClr>
-            </a:outerShdw>
-          </a:effectLst>
-        </p:spPr>
-        <p:style>
-          <a:lnRef idx="2">
-            <a:schemeClr val="accent1">
-              <a:shade val="50000"/>
-            </a:schemeClr>
-          </a:lnRef>
-          <a:fillRef idx="1">
-            <a:schemeClr val="accent1"/>
-          </a:fillRef>
-          <a:effectRef idx="0">
-            <a:schemeClr val="accent1"/>
-          </a:effectRef>
-          <a:fontRef idx="minor">
-            <a:schemeClr val="lt1"/>
-          </a:fontRef>
-        </p:style>
-        <p:txBody>
-          <a:bodyPr rtlCol="0" anchor="ctr"/>
-          <a:lstStyle/>
-          <a:p>
-            <a:pPr algn="ctr"/>
-            <a:r>
-              <a:rPr lang="fr-FR" sz="2800" dirty="0"/>
-              <a:t>&gt;</a:t>
-            </a:r>
-          </a:p>
-        </p:txBody>
-      </p:sp>
-      <p:grpSp>
-        <p:nvGrpSpPr>
-          <p:cNvPr id="26" name="Météo">
-            <a:extLst>
-              <a:ext uri="{FF2B5EF4-FFF2-40B4-BE49-F238E27FC236}">
-                <a16:creationId xmlns:a16="http://schemas.microsoft.com/office/drawing/2014/main" id="{79EBE6EA-A3EC-1DAE-6182-C6BE2D75D2AF}"/>
-              </a:ext>
-            </a:extLst>
-          </p:cNvPr>
-          <p:cNvGrpSpPr/>
-          <p:nvPr/>
-        </p:nvGrpSpPr>
-        <p:grpSpPr>
-          <a:xfrm>
-            <a:off x="1545021" y="1585453"/>
-            <a:ext cx="4651987" cy="648000"/>
-            <a:chOff x="1545021" y="1585453"/>
-            <a:chExt cx="4651987" cy="648000"/>
-          </a:xfrm>
-        </p:grpSpPr>
-        <p:sp>
-          <p:nvSpPr>
-            <p:cNvPr id="19" name="température">
-              <a:extLst>
-                <a:ext uri="{FF2B5EF4-FFF2-40B4-BE49-F238E27FC236}">
-                  <a16:creationId xmlns:a16="http://schemas.microsoft.com/office/drawing/2014/main" id="{BC76DEF3-7BA4-20B6-EB84-E04CC28C4B12}"/>
-                </a:ext>
-              </a:extLst>
-            </p:cNvPr>
-            <p:cNvSpPr txBox="1"/>
-            <p:nvPr/>
-          </p:nvSpPr>
-          <p:spPr>
-            <a:xfrm>
-              <a:off x="1545021" y="1712734"/>
-              <a:ext cx="4067503" cy="461665"/>
-            </a:xfrm>
-            <a:prstGeom prst="rect">
-              <a:avLst/>
-            </a:prstGeom>
-            <a:noFill/>
-          </p:spPr>
-          <p:txBody>
-            <a:bodyPr wrap="square" rtlCol="0">
-              <a:spAutoFit/>
-            </a:bodyPr>
-            <a:lstStyle/>
-            <a:p>
-              <a:pPr algn="r"/>
-              <a:r>
-                <a:rPr lang="fr-FR" sz="2400" dirty="0"/>
-                <a:t>18°C</a:t>
-              </a:r>
-            </a:p>
-          </p:txBody>
-        </p:sp>
-        <p:pic>
-          <p:nvPicPr>
-            <p:cNvPr id="25" name="symbole" descr="Partiellement ensoleillé contour">
-              <a:extLst>
-                <a:ext uri="{FF2B5EF4-FFF2-40B4-BE49-F238E27FC236}">
-                  <a16:creationId xmlns:a16="http://schemas.microsoft.com/office/drawing/2014/main" id="{08CFDEE0-0162-DFC3-D620-FC655179FBD9}"/>
-                </a:ext>
-              </a:extLst>
-            </p:cNvPr>
-            <p:cNvPicPr>
-              <a:picLocks noChangeAspect="1"/>
-            </p:cNvPicPr>
-            <p:nvPr/>
-          </p:nvPicPr>
-          <p:blipFill>
-            <a:blip r:embed="rId9">
-              <a:extLst>
-                <a:ext uri="{28A0092B-C50C-407E-A947-70E740481C1C}">
-                  <a14:useLocalDpi xmlns:a14="http://schemas.microsoft.com/office/drawing/2010/main" val="0"/>
-                </a:ext>
-                <a:ext uri="{96DAC541-7B7A-43D3-8B79-37D633B846F1}">
-                  <asvg:svgBlip xmlns:asvg="http://schemas.microsoft.com/office/drawing/2016/SVG/main" r:embed="rId10"/>
-                </a:ext>
-              </a:extLst>
-            </a:blip>
-            <a:stretch>
-              <a:fillRect/>
-            </a:stretch>
-          </p:blipFill>
-          <p:spPr>
-            <a:xfrm>
-              <a:off x="5549008" y="1585453"/>
-              <a:ext cx="648000" cy="648000"/>
-            </a:xfrm>
-            <a:prstGeom prst="rect">
-              <a:avLst/>
-            </a:prstGeom>
-          </p:spPr>
-        </p:pic>
-      </p:grpSp>
-      <p:sp>
-        <p:nvSpPr>
-          <p:cNvPr id="14" name="Rectangle 13">
-            <a:extLst>
-              <a:ext uri="{FF2B5EF4-FFF2-40B4-BE49-F238E27FC236}">
-                <a16:creationId xmlns:a16="http://schemas.microsoft.com/office/drawing/2014/main" id="{9C2CDB3B-7CAE-F2DE-0B93-30EECE37DE56}"/>
-              </a:ext>
-            </a:extLst>
-          </p:cNvPr>
-          <p:cNvSpPr/>
-          <p:nvPr/>
-        </p:nvSpPr>
-        <p:spPr>
-          <a:xfrm>
-            <a:off x="2237461" y="4889133"/>
-            <a:ext cx="930260" cy="1245476"/>
-          </a:xfrm>
-          <a:prstGeom prst="rect">
-            <a:avLst/>
-          </a:prstGeom>
-          <a:solidFill>
-            <a:schemeClr val="accent1">
-              <a:alpha val="50000"/>
-            </a:schemeClr>
-          </a:solidFill>
-        </p:spPr>
-        <p:style>
-          <a:lnRef idx="2">
-            <a:schemeClr val="accent1">
-              <a:shade val="50000"/>
-            </a:schemeClr>
-          </a:lnRef>
-          <a:fillRef idx="1">
-            <a:schemeClr val="accent1"/>
-          </a:fillRef>
-          <a:effectRef idx="0">
-            <a:schemeClr val="accent1"/>
-          </a:effectRef>
-          <a:fontRef idx="minor">
-            <a:schemeClr val="lt1"/>
-          </a:fontRef>
-        </p:style>
-        <p:txBody>
-          <a:bodyPr rtlCol="0" anchor="ctr"/>
-          <a:lstStyle/>
-          <a:p>
-            <a:pPr algn="ctr"/>
-            <a:r>
-              <a:rPr lang="fr-FR" dirty="0">
-                <a:solidFill>
-                  <a:schemeClr val="tx1"/>
-                </a:solidFill>
-              </a:rPr>
-              <a:t>(porte)</a:t>
-            </a:r>
-          </a:p>
-        </p:txBody>
-      </p:sp>
-    </p:spTree>
-    <p:extLst>
-      <p:ext uri="{BB962C8B-B14F-4D97-AF65-F5344CB8AC3E}">
-        <p14:creationId xmlns:p14="http://schemas.microsoft.com/office/powerpoint/2010/main" val="2841925830"/>
       </p:ext>
     </p:extLst>
   </p:cSld>
